--- a/RaCAS Presentation.pptx
+++ b/RaCAS Presentation.pptx
@@ -3596,8 +3596,8 @@
             </p:nvSpPr>
             <p:spPr>
               <a:xfrm>
-                <a:off x="12204369" y="7220349"/>
-                <a:ext cx="19482476" cy="9363719"/>
+                <a:off x="12040183" y="3332264"/>
+                <a:ext cx="19810833" cy="10944175"/>
               </a:xfrm>
             </p:spPr>
             <p:txBody>
@@ -3612,7 +3612,7 @@
                   </a:lnSpc>
                 </a:pPr>
                 <a:r>
-                  <a:rPr lang="en-US" sz="10422" dirty="0">
+                  <a:rPr lang="en-US" sz="10422" b="1" dirty="0">
                     <a:solidFill>
                       <a:schemeClr val="bg1"/>
                     </a:solidFill>
@@ -3627,7 +3627,7 @@
                     <m:f>
                       <m:fPr>
                         <m:ctrlPr>
-                          <a:rPr lang="en-US" sz="9600" i="1" smtClean="0">
+                          <a:rPr lang="en-US" sz="9600" b="1" i="1" smtClean="0">
                             <a:solidFill>
                               <a:schemeClr val="bg1"/>
                             </a:solidFill>
@@ -3638,29 +3638,29 @@
                       </m:fPr>
                       <m:num>
                         <m:r>
-                          <a:rPr lang="en-US" sz="9600" i="1">
+                          <a:rPr lang="en-US" sz="9600" b="1" i="1">
                             <a:solidFill>
                               <a:schemeClr val="bg1"/>
                             </a:solidFill>
                             <a:latin typeface="Cambria Math" panose="02040503050406030204" pitchFamily="18" charset="0"/>
                             <a:cs typeface="Times New Roman" panose="02020603050405020304" pitchFamily="18" charset="0"/>
                           </a:rPr>
-                          <m:t>𝑄</m:t>
+                          <m:t>𝑸</m:t>
                         </m:r>
                       </m:num>
                       <m:den>
                         <m:r>
-                          <a:rPr lang="en-US" sz="9600" i="1">
+                          <a:rPr lang="en-US" sz="9600" b="1" i="1">
                             <a:solidFill>
                               <a:schemeClr val="bg1"/>
                             </a:solidFill>
                             <a:latin typeface="Cambria Math" panose="02040503050406030204" pitchFamily="18" charset="0"/>
                             <a:cs typeface="Times New Roman" panose="02020603050405020304" pitchFamily="18" charset="0"/>
                           </a:rPr>
-                          <m:t>𝑃</m:t>
+                          <m:t>𝑷</m:t>
                         </m:r>
                         <m:r>
-                          <a:rPr lang="en-US" sz="9600" i="1">
+                          <a:rPr lang="en-US" sz="9600" b="1" i="1">
                             <a:solidFill>
                               <a:schemeClr val="bg1"/>
                             </a:solidFill>
@@ -3670,21 +3670,21 @@
                           <m:t>−</m:t>
                         </m:r>
                         <m:r>
-                          <a:rPr lang="en-US" sz="9600" i="1">
+                          <a:rPr lang="en-US" sz="9600" b="1" i="1">
                             <a:solidFill>
                               <a:schemeClr val="bg1"/>
                             </a:solidFill>
                             <a:latin typeface="Cambria Math" panose="02040503050406030204" pitchFamily="18" charset="0"/>
                             <a:cs typeface="Times New Roman" panose="02020603050405020304" pitchFamily="18" charset="0"/>
                           </a:rPr>
-                          <m:t>𝑘𝑄</m:t>
+                          <m:t>𝒌𝑸</m:t>
                         </m:r>
                       </m:den>
                     </m:f>
                   </m:oMath>
                 </a14:m>
                 <a:r>
-                  <a:rPr lang="en-US" sz="10422" dirty="0">
+                  <a:rPr lang="en-US" sz="10422" b="1" dirty="0">
                     <a:solidFill>
                       <a:schemeClr val="bg1"/>
                     </a:solidFill>
@@ -3717,13 +3717,13 @@
             </p:nvSpPr>
             <p:spPr>
               <a:xfrm>
-                <a:off x="12204369" y="7220349"/>
-                <a:ext cx="19482476" cy="9363719"/>
+                <a:off x="12040183" y="3332264"/>
+                <a:ext cx="19810833" cy="10944175"/>
               </a:xfrm>
               <a:blipFill>
                 <a:blip r:embed="rId3"/>
                 <a:stretch>
-                  <a:fillRect l="-3598" r="-4161" b="-18099"/>
+                  <a:fillRect l="-3538" r="-4985" b="-1560"/>
                 </a:stretch>
               </a:blipFill>
             </p:spPr>
@@ -3756,7 +3756,7 @@
         </p:nvSpPr>
         <p:spPr>
           <a:xfrm>
-            <a:off x="-3" y="0"/>
+            <a:off x="0" y="0"/>
             <a:ext cx="8993171" cy="32918400"/>
           </a:xfrm>
           <a:prstGeom prst="rect">
@@ -3812,8 +3812,8 @@
             </p:nvSpPr>
             <p:spPr>
               <a:xfrm>
-                <a:off x="396473" y="3823847"/>
-                <a:ext cx="8200217" cy="28465100"/>
+                <a:off x="353502" y="3064859"/>
+                <a:ext cx="8200217" cy="29483969"/>
               </a:xfrm>
               <a:prstGeom prst="rect">
                 <a:avLst/>
@@ -3853,7 +3853,7 @@
                     <a:latin typeface="Times New Roman" panose="02020603050405020304" pitchFamily="18" charset="0"/>
                     <a:cs typeface="Times New Roman" panose="02020603050405020304" pitchFamily="18" charset="0"/>
                   </a:rPr>
-                  <a:t>The Cryogenic Dark Matter Search experiment calculates a yield quantity that gives information about the interaction in the detector. </a:t>
+                  <a:t>The Cryogenic Dark Matter Search experiment calculates a yield quantity that gives information about the interaction in the detector. The distribution is given by the following:</a:t>
                 </a:r>
                 <a:endParaRPr lang="en-US" sz="7200" b="0" i="1" dirty="0">
                   <a:latin typeface="Cambria Math" panose="02040503050406030204" pitchFamily="18" charset="0"/>
@@ -3942,19 +3942,140 @@
                     <a:spcPct val="120000"/>
                   </a:lnSpc>
                 </a:pPr>
+                <a14:m>
+                  <m:oMath xmlns:m="http://schemas.openxmlformats.org/officeDocument/2006/math">
+                    <m:r>
+                      <a:rPr lang="en-US" sz="2700" b="0" i="1" smtClean="0">
+                        <a:latin typeface="Cambria Math" panose="02040503050406030204" pitchFamily="18" charset="0"/>
+                        <a:cs typeface="Times New Roman" panose="02020603050405020304" pitchFamily="18" charset="0"/>
+                      </a:rPr>
+                      <m:t>𝑄</m:t>
+                    </m:r>
+                    <m:r>
+                      <a:rPr lang="en-US" sz="2700" b="0" i="1" smtClean="0">
+                        <a:latin typeface="Cambria Math" panose="02040503050406030204" pitchFamily="18" charset="0"/>
+                        <a:cs typeface="Times New Roman" panose="02020603050405020304" pitchFamily="18" charset="0"/>
+                      </a:rPr>
+                      <m:t>~</m:t>
+                    </m:r>
+                    <m:func>
+                      <m:funcPr>
+                        <m:ctrlPr>
+                          <a:rPr lang="en-US" sz="2700" b="0" i="1" smtClean="0">
+                            <a:latin typeface="Cambria Math" panose="02040503050406030204" pitchFamily="18" charset="0"/>
+                            <a:cs typeface="Times New Roman" panose="02020603050405020304" pitchFamily="18" charset="0"/>
+                          </a:rPr>
+                        </m:ctrlPr>
+                      </m:funcPr>
+                      <m:fName>
+                        <m:r>
+                          <m:rPr>
+                            <m:sty m:val="p"/>
+                          </m:rPr>
+                          <a:rPr lang="en-US" sz="2700" b="0" i="0" smtClean="0">
+                            <a:latin typeface="Cambria Math" panose="02040503050406030204" pitchFamily="18" charset="0"/>
+                            <a:cs typeface="Times New Roman" panose="02020603050405020304" pitchFamily="18" charset="0"/>
+                          </a:rPr>
+                          <m:t>Normal</m:t>
+                        </m:r>
+                      </m:fName>
+                      <m:e>
+                        <m:d>
+                          <m:dPr>
+                            <m:ctrlPr>
+                              <a:rPr lang="en-US" sz="2700" b="0" i="1" smtClean="0">
+                                <a:latin typeface="Cambria Math" panose="02040503050406030204" pitchFamily="18" charset="0"/>
+                                <a:cs typeface="Times New Roman" panose="02020603050405020304" pitchFamily="18" charset="0"/>
+                              </a:rPr>
+                            </m:ctrlPr>
+                          </m:dPr>
+                          <m:e>
+                            <m:sSub>
+                              <m:sSubPr>
+                                <m:ctrlPr>
+                                  <a:rPr lang="en-US" sz="2700" b="0" i="1" smtClean="0">
+                                    <a:latin typeface="Cambria Math" panose="02040503050406030204" pitchFamily="18" charset="0"/>
+                                    <a:cs typeface="Times New Roman" panose="02020603050405020304" pitchFamily="18" charset="0"/>
+                                  </a:rPr>
+                                </m:ctrlPr>
+                              </m:sSubPr>
+                              <m:e>
+                                <m:r>
+                                  <a:rPr lang="en-US" sz="2700" b="0" i="1" smtClean="0">
+                                    <a:latin typeface="Cambria Math" panose="02040503050406030204" pitchFamily="18" charset="0"/>
+                                    <a:ea typeface="Cambria Math" panose="02040503050406030204" pitchFamily="18" charset="0"/>
+                                    <a:cs typeface="Times New Roman" panose="02020603050405020304" pitchFamily="18" charset="0"/>
+                                  </a:rPr>
+                                  <m:t>𝜇</m:t>
+                                </m:r>
+                              </m:e>
+                              <m:sub>
+                                <m:r>
+                                  <a:rPr lang="en-US" sz="2700" b="0" i="1" smtClean="0">
+                                    <a:latin typeface="Cambria Math" panose="02040503050406030204" pitchFamily="18" charset="0"/>
+                                    <a:cs typeface="Times New Roman" panose="02020603050405020304" pitchFamily="18" charset="0"/>
+                                  </a:rPr>
+                                  <m:t>𝑄</m:t>
+                                </m:r>
+                              </m:sub>
+                            </m:sSub>
+                            <m:r>
+                              <a:rPr lang="en-US" sz="2700" b="0" i="1" smtClean="0">
+                                <a:latin typeface="Cambria Math" panose="02040503050406030204" pitchFamily="18" charset="0"/>
+                                <a:cs typeface="Times New Roman" panose="02020603050405020304" pitchFamily="18" charset="0"/>
+                              </a:rPr>
+                              <m:t>,</m:t>
+                            </m:r>
+                            <m:sSubSup>
+                              <m:sSubSupPr>
+                                <m:ctrlPr>
+                                  <a:rPr lang="en-US" sz="2700" b="0" i="1" smtClean="0">
+                                    <a:latin typeface="Cambria Math" panose="02040503050406030204" pitchFamily="18" charset="0"/>
+                                    <a:cs typeface="Times New Roman" panose="02020603050405020304" pitchFamily="18" charset="0"/>
+                                  </a:rPr>
+                                </m:ctrlPr>
+                              </m:sSubSupPr>
+                              <m:e>
+                                <m:r>
+                                  <a:rPr lang="en-US" sz="2700" b="0" i="1" smtClean="0">
+                                    <a:latin typeface="Cambria Math" panose="02040503050406030204" pitchFamily="18" charset="0"/>
+                                    <a:ea typeface="Cambria Math" panose="02040503050406030204" pitchFamily="18" charset="0"/>
+                                    <a:cs typeface="Times New Roman" panose="02020603050405020304" pitchFamily="18" charset="0"/>
+                                  </a:rPr>
+                                  <m:t>𝜎</m:t>
+                                </m:r>
+                              </m:e>
+                              <m:sub>
+                                <m:r>
+                                  <a:rPr lang="en-US" sz="2700" b="0" i="1" smtClean="0">
+                                    <a:latin typeface="Cambria Math" panose="02040503050406030204" pitchFamily="18" charset="0"/>
+                                    <a:cs typeface="Times New Roman" panose="02020603050405020304" pitchFamily="18" charset="0"/>
+                                  </a:rPr>
+                                  <m:t>𝑄</m:t>
+                                </m:r>
+                              </m:sub>
+                              <m:sup>
+                                <m:r>
+                                  <a:rPr lang="en-US" sz="2700" b="0" i="1" smtClean="0">
+                                    <a:latin typeface="Cambria Math" panose="02040503050406030204" pitchFamily="18" charset="0"/>
+                                    <a:cs typeface="Times New Roman" panose="02020603050405020304" pitchFamily="18" charset="0"/>
+                                  </a:rPr>
+                                  <m:t>2</m:t>
+                                </m:r>
+                              </m:sup>
+                            </m:sSubSup>
+                          </m:e>
+                        </m:d>
+                      </m:e>
+                    </m:func>
+                  </m:oMath>
+                </a14:m>
                 <a:r>
-                  <a:rPr lang="en-US" sz="2700" dirty="0" err="1">
+                  <a:rPr lang="en-US" sz="2700" b="0" dirty="0">
                     <a:latin typeface="Times New Roman" panose="02020603050405020304" pitchFamily="18" charset="0"/>
                     <a:cs typeface="Times New Roman" panose="02020603050405020304" pitchFamily="18" charset="0"/>
                   </a:rPr>
-                  <a:t>Q~Normal</a:t>
-                </a:r>
-                <a:r>
-                  <a:rPr lang="en-US" sz="2700" dirty="0">
-                    <a:latin typeface="Times New Roman" panose="02020603050405020304" pitchFamily="18" charset="0"/>
-                    <a:cs typeface="Times New Roman" panose="02020603050405020304" pitchFamily="18" charset="0"/>
-                  </a:rPr>
-                  <a:t>()</a:t>
+                  <a:t> </a:t>
                 </a:r>
               </a:p>
               <a:p>
@@ -3963,7 +4084,176 @@
                     <a:spcPct val="120000"/>
                   </a:lnSpc>
                 </a:pPr>
-                <a:endParaRPr lang="en-US" sz="2700" b="1" dirty="0">
+                <a14:m>
+                  <m:oMath xmlns:m="http://schemas.openxmlformats.org/officeDocument/2006/math">
+                    <m:r>
+                      <a:rPr lang="en-US" sz="2700" b="0" i="1" smtClean="0">
+                        <a:latin typeface="Cambria Math" panose="02040503050406030204" pitchFamily="18" charset="0"/>
+                        <a:cs typeface="Times New Roman" panose="02020603050405020304" pitchFamily="18" charset="0"/>
+                      </a:rPr>
+                      <m:t>𝑃</m:t>
+                    </m:r>
+                    <m:r>
+                      <a:rPr lang="en-US" sz="2700" i="1">
+                        <a:latin typeface="Cambria Math" panose="02040503050406030204" pitchFamily="18" charset="0"/>
+                        <a:cs typeface="Times New Roman" panose="02020603050405020304" pitchFamily="18" charset="0"/>
+                      </a:rPr>
+                      <m:t>~</m:t>
+                    </m:r>
+                    <m:func>
+                      <m:funcPr>
+                        <m:ctrlPr>
+                          <a:rPr lang="en-US" sz="2700" i="1">
+                            <a:latin typeface="Cambria Math" panose="02040503050406030204" pitchFamily="18" charset="0"/>
+                            <a:cs typeface="Times New Roman" panose="02020603050405020304" pitchFamily="18" charset="0"/>
+                          </a:rPr>
+                        </m:ctrlPr>
+                      </m:funcPr>
+                      <m:fName>
+                        <m:r>
+                          <m:rPr>
+                            <m:sty m:val="p"/>
+                          </m:rPr>
+                          <a:rPr lang="en-US" sz="2700">
+                            <a:latin typeface="Cambria Math" panose="02040503050406030204" pitchFamily="18" charset="0"/>
+                            <a:cs typeface="Times New Roman" panose="02020603050405020304" pitchFamily="18" charset="0"/>
+                          </a:rPr>
+                          <m:t>Normal</m:t>
+                        </m:r>
+                      </m:fName>
+                      <m:e>
+                        <m:d>
+                          <m:dPr>
+                            <m:ctrlPr>
+                              <a:rPr lang="en-US" sz="2700" i="1">
+                                <a:latin typeface="Cambria Math" panose="02040503050406030204" pitchFamily="18" charset="0"/>
+                                <a:cs typeface="Times New Roman" panose="02020603050405020304" pitchFamily="18" charset="0"/>
+                              </a:rPr>
+                            </m:ctrlPr>
+                          </m:dPr>
+                          <m:e>
+                            <m:sSub>
+                              <m:sSubPr>
+                                <m:ctrlPr>
+                                  <a:rPr lang="en-US" sz="2700" i="1">
+                                    <a:latin typeface="Cambria Math" panose="02040503050406030204" pitchFamily="18" charset="0"/>
+                                    <a:cs typeface="Times New Roman" panose="02020603050405020304" pitchFamily="18" charset="0"/>
+                                  </a:rPr>
+                                </m:ctrlPr>
+                              </m:sSubPr>
+                              <m:e>
+                                <m:r>
+                                  <a:rPr lang="en-US" sz="2700" i="1">
+                                    <a:latin typeface="Cambria Math" panose="02040503050406030204" pitchFamily="18" charset="0"/>
+                                    <a:ea typeface="Cambria Math" panose="02040503050406030204" pitchFamily="18" charset="0"/>
+                                    <a:cs typeface="Times New Roman" panose="02020603050405020304" pitchFamily="18" charset="0"/>
+                                  </a:rPr>
+                                  <m:t>𝜇</m:t>
+                                </m:r>
+                              </m:e>
+                              <m:sub>
+                                <m:r>
+                                  <a:rPr lang="en-US" sz="2700" b="0" i="1" smtClean="0">
+                                    <a:latin typeface="Cambria Math" panose="02040503050406030204" pitchFamily="18" charset="0"/>
+                                    <a:ea typeface="Cambria Math" panose="02040503050406030204" pitchFamily="18" charset="0"/>
+                                    <a:cs typeface="Times New Roman" panose="02020603050405020304" pitchFamily="18" charset="0"/>
+                                  </a:rPr>
+                                  <m:t>𝑃</m:t>
+                                </m:r>
+                              </m:sub>
+                            </m:sSub>
+                            <m:r>
+                              <a:rPr lang="en-US" sz="2700" i="1">
+                                <a:latin typeface="Cambria Math" panose="02040503050406030204" pitchFamily="18" charset="0"/>
+                                <a:cs typeface="Times New Roman" panose="02020603050405020304" pitchFamily="18" charset="0"/>
+                              </a:rPr>
+                              <m:t>,</m:t>
+                            </m:r>
+                            <m:sSubSup>
+                              <m:sSubSupPr>
+                                <m:ctrlPr>
+                                  <a:rPr lang="en-US" sz="2700" i="1">
+                                    <a:latin typeface="Cambria Math" panose="02040503050406030204" pitchFamily="18" charset="0"/>
+                                    <a:cs typeface="Times New Roman" panose="02020603050405020304" pitchFamily="18" charset="0"/>
+                                  </a:rPr>
+                                </m:ctrlPr>
+                              </m:sSubSupPr>
+                              <m:e>
+                                <m:r>
+                                  <a:rPr lang="en-US" sz="2700" i="1">
+                                    <a:latin typeface="Cambria Math" panose="02040503050406030204" pitchFamily="18" charset="0"/>
+                                    <a:ea typeface="Cambria Math" panose="02040503050406030204" pitchFamily="18" charset="0"/>
+                                    <a:cs typeface="Times New Roman" panose="02020603050405020304" pitchFamily="18" charset="0"/>
+                                  </a:rPr>
+                                  <m:t>𝜎</m:t>
+                                </m:r>
+                              </m:e>
+                              <m:sub>
+                                <m:r>
+                                  <a:rPr lang="en-US" sz="2700" b="0" i="1" smtClean="0">
+                                    <a:latin typeface="Cambria Math" panose="02040503050406030204" pitchFamily="18" charset="0"/>
+                                    <a:ea typeface="Cambria Math" panose="02040503050406030204" pitchFamily="18" charset="0"/>
+                                    <a:cs typeface="Times New Roman" panose="02020603050405020304" pitchFamily="18" charset="0"/>
+                                  </a:rPr>
+                                  <m:t>𝑃</m:t>
+                                </m:r>
+                              </m:sub>
+                              <m:sup>
+                                <m:r>
+                                  <a:rPr lang="en-US" sz="2700" i="1">
+                                    <a:latin typeface="Cambria Math" panose="02040503050406030204" pitchFamily="18" charset="0"/>
+                                    <a:cs typeface="Times New Roman" panose="02020603050405020304" pitchFamily="18" charset="0"/>
+                                  </a:rPr>
+                                  <m:t>2</m:t>
+                                </m:r>
+                              </m:sup>
+                            </m:sSubSup>
+                          </m:e>
+                        </m:d>
+                      </m:e>
+                    </m:func>
+                  </m:oMath>
+                </a14:m>
+                <a:r>
+                  <a:rPr lang="en-US" sz="2700" dirty="0">
+                    <a:latin typeface="Times New Roman" panose="02020603050405020304" pitchFamily="18" charset="0"/>
+                    <a:cs typeface="Times New Roman" panose="02020603050405020304" pitchFamily="18" charset="0"/>
+                  </a:rPr>
+                  <a:t> </a:t>
+                </a:r>
+              </a:p>
+              <a:p>
+                <a:pPr algn="just">
+                  <a:lnSpc>
+                    <a:spcPct val="120000"/>
+                  </a:lnSpc>
+                </a:pPr>
+                <a14:m>
+                  <m:oMath xmlns:m="http://schemas.openxmlformats.org/officeDocument/2006/math">
+                    <m:r>
+                      <a:rPr lang="en-US" sz="2700" b="0" i="1" smtClean="0">
+                        <a:latin typeface="Cambria Math" panose="02040503050406030204" pitchFamily="18" charset="0"/>
+                        <a:cs typeface="Times New Roman" panose="02020603050405020304" pitchFamily="18" charset="0"/>
+                      </a:rPr>
+                      <m:t>𝑘</m:t>
+                    </m:r>
+                  </m:oMath>
+                </a14:m>
+                <a:r>
+                  <a:rPr lang="en-US" sz="2700" dirty="0">
+                    <a:latin typeface="Times New Roman" panose="02020603050405020304" pitchFamily="18" charset="0"/>
+                    <a:cs typeface="Times New Roman" panose="02020603050405020304" pitchFamily="18" charset="0"/>
+                  </a:rPr>
+                  <a:t> is constant</a:t>
+                </a:r>
+              </a:p>
+              <a:p>
+                <a:pPr algn="just">
+                  <a:lnSpc>
+                    <a:spcPct val="120000"/>
+                  </a:lnSpc>
+                </a:pPr>
+                <a:endParaRPr lang="en-US" sz="2700" dirty="0">
                   <a:latin typeface="Times New Roman" panose="02020603050405020304" pitchFamily="18" charset="0"/>
                   <a:cs typeface="Times New Roman" panose="02020603050405020304" pitchFamily="18" charset="0"/>
                 </a:endParaRPr>
@@ -3976,10 +4266,40 @@
                 </a:pPr>
                 <a:r>
                   <a:rPr lang="en-US" sz="2700" dirty="0">
+                    <a:solidFill>
+                      <a:srgbClr val="0070C0"/>
+                    </a:solidFill>
                     <a:latin typeface="Times New Roman" panose="02020603050405020304" pitchFamily="18" charset="0"/>
                     <a:cs typeface="Times New Roman" panose="02020603050405020304" pitchFamily="18" charset="0"/>
                   </a:rPr>
-                  <a:t>An analytic solution for the yield quantity is given by calculating the algebra of random variables using statistical theory. The theoretical model is tested against sampling from the distribution. </a:t>
+                  <a:t>An </a:t>
+                </a:r>
+                <a:r>
+                  <a:rPr lang="en-US" sz="2700" dirty="0">
+                    <a:solidFill>
+                      <a:srgbClr val="00B0F0"/>
+                    </a:solidFill>
+                    <a:latin typeface="Times New Roman" panose="02020603050405020304" pitchFamily="18" charset="0"/>
+                    <a:cs typeface="Times New Roman" panose="02020603050405020304" pitchFamily="18" charset="0"/>
+                  </a:rPr>
+                  <a:t>ANALYTIC SOLUTION</a:t>
+                </a:r>
+                <a:r>
+                  <a:rPr lang="en-US" sz="2700" dirty="0">
+                    <a:solidFill>
+                      <a:srgbClr val="0070C0"/>
+                    </a:solidFill>
+                    <a:latin typeface="Times New Roman" panose="02020603050405020304" pitchFamily="18" charset="0"/>
+                    <a:cs typeface="Times New Roman" panose="02020603050405020304" pitchFamily="18" charset="0"/>
+                  </a:rPr>
+                  <a:t> for the yield quantity is given by calculating the algebra of random variables using statistical theory. The theoretical model is tested against sampling from the distribution and matches well</a:t>
+                </a:r>
+                <a:r>
+                  <a:rPr lang="en-US" sz="2700" dirty="0">
+                    <a:latin typeface="Times New Roman" panose="02020603050405020304" pitchFamily="18" charset="0"/>
+                    <a:cs typeface="Times New Roman" panose="02020603050405020304" pitchFamily="18" charset="0"/>
+                  </a:rPr>
+                  <a:t>. </a:t>
                 </a:r>
               </a:p>
               <a:p>
@@ -4136,7 +4456,43 @@
                     <a:latin typeface="Times New Roman" panose="02020603050405020304" pitchFamily="18" charset="0"/>
                     <a:cs typeface="Times New Roman" panose="02020603050405020304" pitchFamily="18" charset="0"/>
                   </a:rPr>
-                  <a:t>Even though P and Q have well defined means, the quantity </a:t>
+                  <a:t>Even though </a:t>
+                </a:r>
+                <a14:m>
+                  <m:oMath xmlns:m="http://schemas.openxmlformats.org/officeDocument/2006/math">
+                    <m:r>
+                      <a:rPr lang="en-US" sz="2700" b="0" i="1" smtClean="0">
+                        <a:latin typeface="Cambria Math" panose="02040503050406030204" pitchFamily="18" charset="0"/>
+                        <a:cs typeface="Times New Roman" panose="02020603050405020304" pitchFamily="18" charset="0"/>
+                      </a:rPr>
+                      <m:t>𝑃</m:t>
+                    </m:r>
+                  </m:oMath>
+                </a14:m>
+                <a:r>
+                  <a:rPr lang="en-US" sz="2700" dirty="0">
+                    <a:latin typeface="Times New Roman" panose="02020603050405020304" pitchFamily="18" charset="0"/>
+                    <a:cs typeface="Times New Roman" panose="02020603050405020304" pitchFamily="18" charset="0"/>
+                  </a:rPr>
+                  <a:t> and </a:t>
+                </a:r>
+                <a14:m>
+                  <m:oMath xmlns:m="http://schemas.openxmlformats.org/officeDocument/2006/math">
+                    <m:r>
+                      <a:rPr lang="en-US" sz="2400" i="1">
+                        <a:latin typeface="Cambria Math" panose="02040503050406030204" pitchFamily="18" charset="0"/>
+                        <a:cs typeface="Times New Roman" panose="02020603050405020304" pitchFamily="18" charset="0"/>
+                      </a:rPr>
+                      <m:t>𝑄</m:t>
+                    </m:r>
+                  </m:oMath>
+                </a14:m>
+                <a:r>
+                  <a:rPr lang="en-US" sz="2700" dirty="0">
+                    <a:latin typeface="Times New Roman" panose="02020603050405020304" pitchFamily="18" charset="0"/>
+                    <a:cs typeface="Times New Roman" panose="02020603050405020304" pitchFamily="18" charset="0"/>
+                  </a:rPr>
+                  <a:t> have well defined means, the quantity </a:t>
                 </a:r>
                 <a14:m>
                   <m:oMath xmlns:m="http://schemas.openxmlformats.org/officeDocument/2006/math">
@@ -4220,30 +4576,52 @@
                     <a:spcPct val="120000"/>
                   </a:lnSpc>
                 </a:pPr>
-                <a:endParaRPr lang="en-US" sz="2700" dirty="0">
-                  <a:latin typeface="Times New Roman" panose="02020603050405020304" pitchFamily="18" charset="0"/>
-                  <a:cs typeface="Times New Roman" panose="02020603050405020304" pitchFamily="18" charset="0"/>
-                </a:endParaRPr>
-              </a:p>
-              <a:p>
-                <a:pPr algn="just">
-                  <a:lnSpc>
-                    <a:spcPct val="120000"/>
-                  </a:lnSpc>
-                </a:pPr>
-                <a:r>
-                  <a:rPr lang="en-US" sz="2700" dirty="0" err="1">
-                    <a:latin typeface="Times New Roman" panose="02020603050405020304" pitchFamily="18" charset="0"/>
-                    <a:cs typeface="Times New Roman" panose="02020603050405020304" pitchFamily="18" charset="0"/>
-                  </a:rPr>
-                  <a:t>meanP</a:t>
-                </a:r>
+                <a14:m>
+                  <m:oMath xmlns:m="http://schemas.openxmlformats.org/officeDocument/2006/math">
+                    <m:sSub>
+                      <m:sSubPr>
+                        <m:ctrlPr>
+                          <a:rPr lang="en-US" sz="2700" i="1" smtClean="0">
+                            <a:latin typeface="Cambria Math" panose="02040503050406030204" pitchFamily="18" charset="0"/>
+                            <a:cs typeface="Times New Roman" panose="02020603050405020304" pitchFamily="18" charset="0"/>
+                          </a:rPr>
+                        </m:ctrlPr>
+                      </m:sSubPr>
+                      <m:e>
+                        <m:r>
+                          <a:rPr lang="en-US" sz="2700" i="1" smtClean="0">
+                            <a:latin typeface="Cambria Math" panose="02040503050406030204" pitchFamily="18" charset="0"/>
+                            <a:ea typeface="Cambria Math" panose="02040503050406030204" pitchFamily="18" charset="0"/>
+                            <a:cs typeface="Times New Roman" panose="02020603050405020304" pitchFamily="18" charset="0"/>
+                          </a:rPr>
+                          <m:t>𝜇</m:t>
+                        </m:r>
+                      </m:e>
+                      <m:sub>
+                        <m:r>
+                          <a:rPr lang="en-US" sz="2700" b="0" i="1" smtClean="0">
+                            <a:latin typeface="Cambria Math" panose="02040503050406030204" pitchFamily="18" charset="0"/>
+                            <a:cs typeface="Times New Roman" panose="02020603050405020304" pitchFamily="18" charset="0"/>
+                          </a:rPr>
+                          <m:t>𝑃</m:t>
+                        </m:r>
+                      </m:sub>
+                    </m:sSub>
+                    <m:r>
+                      <a:rPr lang="en-US" sz="2700" b="0" i="1" smtClean="0">
+                        <a:latin typeface="Cambria Math" panose="02040503050406030204" pitchFamily="18" charset="0"/>
+                        <a:cs typeface="Times New Roman" panose="02020603050405020304" pitchFamily="18" charset="0"/>
+                      </a:rPr>
+                      <m:t>=100</m:t>
+                    </m:r>
+                  </m:oMath>
+                </a14:m>
                 <a:r>
                   <a:rPr lang="en-US" sz="2700" dirty="0">
                     <a:latin typeface="Times New Roman" panose="02020603050405020304" pitchFamily="18" charset="0"/>
                     <a:cs typeface="Times New Roman" panose="02020603050405020304" pitchFamily="18" charset="0"/>
                   </a:rPr>
-                  <a:t> = 100</a:t>
+                  <a:t> </a:t>
                 </a:r>
               </a:p>
               <a:p>
@@ -4252,19 +4630,52 @@
                     <a:spcPct val="120000"/>
                   </a:lnSpc>
                 </a:pPr>
-                <a:r>
-                  <a:rPr lang="en-US" sz="2700" dirty="0" err="1">
-                    <a:latin typeface="Times New Roman" panose="02020603050405020304" pitchFamily="18" charset="0"/>
-                    <a:cs typeface="Times New Roman" panose="02020603050405020304" pitchFamily="18" charset="0"/>
-                  </a:rPr>
-                  <a:t>sdP</a:t>
-                </a:r>
+                <a14:m>
+                  <m:oMath xmlns:m="http://schemas.openxmlformats.org/officeDocument/2006/math">
+                    <m:sSub>
+                      <m:sSubPr>
+                        <m:ctrlPr>
+                          <a:rPr lang="en-US" sz="2700" i="1">
+                            <a:latin typeface="Cambria Math" panose="02040503050406030204" pitchFamily="18" charset="0"/>
+                            <a:cs typeface="Times New Roman" panose="02020603050405020304" pitchFamily="18" charset="0"/>
+                          </a:rPr>
+                        </m:ctrlPr>
+                      </m:sSubPr>
+                      <m:e>
+                        <m:r>
+                          <a:rPr lang="en-US" sz="2700" i="1" smtClean="0">
+                            <a:latin typeface="Cambria Math" panose="02040503050406030204" pitchFamily="18" charset="0"/>
+                            <a:ea typeface="Cambria Math" panose="02040503050406030204" pitchFamily="18" charset="0"/>
+                            <a:cs typeface="Times New Roman" panose="02020603050405020304" pitchFamily="18" charset="0"/>
+                          </a:rPr>
+                          <m:t>𝜎</m:t>
+                        </m:r>
+                      </m:e>
+                      <m:sub>
+                        <m:r>
+                          <a:rPr lang="en-US" sz="2700" i="1">
+                            <a:latin typeface="Cambria Math" panose="02040503050406030204" pitchFamily="18" charset="0"/>
+                            <a:cs typeface="Times New Roman" panose="02020603050405020304" pitchFamily="18" charset="0"/>
+                          </a:rPr>
+                          <m:t>𝑃</m:t>
+                        </m:r>
+                      </m:sub>
+                    </m:sSub>
+                    <m:r>
+                      <a:rPr lang="en-US" sz="2700" b="0" i="1" smtClean="0">
+                        <a:latin typeface="Cambria Math" panose="02040503050406030204" pitchFamily="18" charset="0"/>
+                        <a:cs typeface="Times New Roman" panose="02020603050405020304" pitchFamily="18" charset="0"/>
+                      </a:rPr>
+                      <m:t>=1</m:t>
+                    </m:r>
+                  </m:oMath>
+                </a14:m>
                 <a:r>
                   <a:rPr lang="en-US" sz="2700" dirty="0">
                     <a:latin typeface="Times New Roman" panose="02020603050405020304" pitchFamily="18" charset="0"/>
                     <a:cs typeface="Times New Roman" panose="02020603050405020304" pitchFamily="18" charset="0"/>
                   </a:rPr>
-                  <a:t> = 1</a:t>
+                  <a:t> </a:t>
                 </a:r>
               </a:p>
               <a:p>
@@ -4273,19 +4684,53 @@
                     <a:spcPct val="120000"/>
                   </a:lnSpc>
                 </a:pPr>
-                <a:r>
-                  <a:rPr lang="en-US" sz="2700" dirty="0" err="1">
-                    <a:latin typeface="Times New Roman" panose="02020603050405020304" pitchFamily="18" charset="0"/>
-                    <a:cs typeface="Times New Roman" panose="02020603050405020304" pitchFamily="18" charset="0"/>
-                  </a:rPr>
-                  <a:t>meanQ</a:t>
-                </a:r>
+                <a14:m>
+                  <m:oMath xmlns:m="http://schemas.openxmlformats.org/officeDocument/2006/math">
+                    <m:sSub>
+                      <m:sSubPr>
+                        <m:ctrlPr>
+                          <a:rPr lang="en-US" sz="2700" i="1">
+                            <a:latin typeface="Cambria Math" panose="02040503050406030204" pitchFamily="18" charset="0"/>
+                            <a:cs typeface="Times New Roman" panose="02020603050405020304" pitchFamily="18" charset="0"/>
+                          </a:rPr>
+                        </m:ctrlPr>
+                      </m:sSubPr>
+                      <m:e>
+                        <m:r>
+                          <a:rPr lang="en-US" sz="2700" i="1">
+                            <a:latin typeface="Cambria Math" panose="02040503050406030204" pitchFamily="18" charset="0"/>
+                            <a:ea typeface="Cambria Math" panose="02040503050406030204" pitchFamily="18" charset="0"/>
+                            <a:cs typeface="Times New Roman" panose="02020603050405020304" pitchFamily="18" charset="0"/>
+                          </a:rPr>
+                          <m:t>𝜇</m:t>
+                        </m:r>
+                      </m:e>
+                      <m:sub>
+                        <m:r>
+                          <a:rPr lang="en-US" sz="2700" b="0" i="1" smtClean="0">
+                            <a:latin typeface="Cambria Math" panose="02040503050406030204" pitchFamily="18" charset="0"/>
+                            <a:ea typeface="Cambria Math" panose="02040503050406030204" pitchFamily="18" charset="0"/>
+                            <a:cs typeface="Times New Roman" panose="02020603050405020304" pitchFamily="18" charset="0"/>
+                          </a:rPr>
+                          <m:t>𝑄</m:t>
+                        </m:r>
+                      </m:sub>
+                    </m:sSub>
+                    <m:r>
+                      <a:rPr lang="en-US" sz="2700" i="1">
+                        <a:latin typeface="Cambria Math" panose="02040503050406030204" pitchFamily="18" charset="0"/>
+                        <a:cs typeface="Times New Roman" panose="02020603050405020304" pitchFamily="18" charset="0"/>
+                      </a:rPr>
+                      <m:t>=10</m:t>
+                    </m:r>
+                  </m:oMath>
+                </a14:m>
                 <a:r>
                   <a:rPr lang="en-US" sz="2700" dirty="0">
                     <a:latin typeface="Times New Roman" panose="02020603050405020304" pitchFamily="18" charset="0"/>
                     <a:cs typeface="Times New Roman" panose="02020603050405020304" pitchFamily="18" charset="0"/>
                   </a:rPr>
-                  <a:t> = 10</a:t>
+                  <a:t> </a:t>
                 </a:r>
               </a:p>
               <a:p>
@@ -4294,19 +4739,53 @@
                     <a:spcPct val="120000"/>
                   </a:lnSpc>
                 </a:pPr>
-                <a:r>
-                  <a:rPr lang="en-US" sz="2700" dirty="0" err="1">
-                    <a:latin typeface="Times New Roman" panose="02020603050405020304" pitchFamily="18" charset="0"/>
-                    <a:cs typeface="Times New Roman" panose="02020603050405020304" pitchFamily="18" charset="0"/>
-                  </a:rPr>
-                  <a:t>sdQ</a:t>
-                </a:r>
+                <a14:m>
+                  <m:oMath xmlns:m="http://schemas.openxmlformats.org/officeDocument/2006/math">
+                    <m:sSub>
+                      <m:sSubPr>
+                        <m:ctrlPr>
+                          <a:rPr lang="en-US" sz="2700" i="1">
+                            <a:latin typeface="Cambria Math" panose="02040503050406030204" pitchFamily="18" charset="0"/>
+                            <a:cs typeface="Times New Roman" panose="02020603050405020304" pitchFamily="18" charset="0"/>
+                          </a:rPr>
+                        </m:ctrlPr>
+                      </m:sSubPr>
+                      <m:e>
+                        <m:r>
+                          <a:rPr lang="en-US" sz="2700" i="1">
+                            <a:latin typeface="Cambria Math" panose="02040503050406030204" pitchFamily="18" charset="0"/>
+                            <a:ea typeface="Cambria Math" panose="02040503050406030204" pitchFamily="18" charset="0"/>
+                            <a:cs typeface="Times New Roman" panose="02020603050405020304" pitchFamily="18" charset="0"/>
+                          </a:rPr>
+                          <m:t>𝜎</m:t>
+                        </m:r>
+                      </m:e>
+                      <m:sub>
+                        <m:r>
+                          <a:rPr lang="en-US" sz="2700" b="0" i="1" smtClean="0">
+                            <a:latin typeface="Cambria Math" panose="02040503050406030204" pitchFamily="18" charset="0"/>
+                            <a:ea typeface="Cambria Math" panose="02040503050406030204" pitchFamily="18" charset="0"/>
+                            <a:cs typeface="Times New Roman" panose="02020603050405020304" pitchFamily="18" charset="0"/>
+                          </a:rPr>
+                          <m:t>𝑄</m:t>
+                        </m:r>
+                      </m:sub>
+                    </m:sSub>
+                    <m:r>
+                      <a:rPr lang="en-US" sz="2700" i="1">
+                        <a:latin typeface="Cambria Math" panose="02040503050406030204" pitchFamily="18" charset="0"/>
+                        <a:cs typeface="Times New Roman" panose="02020603050405020304" pitchFamily="18" charset="0"/>
+                      </a:rPr>
+                      <m:t>=1</m:t>
+                    </m:r>
+                  </m:oMath>
+                </a14:m>
                 <a:r>
                   <a:rPr lang="en-US" sz="2700" dirty="0">
                     <a:latin typeface="Times New Roman" panose="02020603050405020304" pitchFamily="18" charset="0"/>
                     <a:cs typeface="Times New Roman" panose="02020603050405020304" pitchFamily="18" charset="0"/>
                   </a:rPr>
-                  <a:t> = 1</a:t>
+                  <a:t> </a:t>
                 </a:r>
               </a:p>
               <a:p>
@@ -4315,12 +4794,30 @@
                     <a:spcPct val="120000"/>
                   </a:lnSpc>
                 </a:pPr>
+                <a14:m>
+                  <m:oMath xmlns:m="http://schemas.openxmlformats.org/officeDocument/2006/math">
+                    <m:r>
+                      <a:rPr lang="en-US" sz="2700" b="0" i="1" smtClean="0">
+                        <a:latin typeface="Cambria Math" panose="02040503050406030204" pitchFamily="18" charset="0"/>
+                        <a:cs typeface="Times New Roman" panose="02020603050405020304" pitchFamily="18" charset="0"/>
+                      </a:rPr>
+                      <m:t>𝑘</m:t>
+                    </m:r>
+                    <m:r>
+                      <a:rPr lang="en-US" sz="2700" i="1">
+                        <a:latin typeface="Cambria Math" panose="02040503050406030204" pitchFamily="18" charset="0"/>
+                        <a:cs typeface="Times New Roman" panose="02020603050405020304" pitchFamily="18" charset="0"/>
+                      </a:rPr>
+                      <m:t>=1</m:t>
+                    </m:r>
+                  </m:oMath>
+                </a14:m>
                 <a:r>
                   <a:rPr lang="en-US" sz="2700" dirty="0">
                     <a:latin typeface="Times New Roman" panose="02020603050405020304" pitchFamily="18" charset="0"/>
                     <a:cs typeface="Times New Roman" panose="02020603050405020304" pitchFamily="18" charset="0"/>
                   </a:rPr>
-                  <a:t>k = 1</a:t>
+                  <a:t> </a:t>
                 </a:r>
               </a:p>
               <a:p>
@@ -4351,30 +4848,52 @@
                     <a:spcPct val="120000"/>
                   </a:lnSpc>
                 </a:pPr>
-                <a:endParaRPr lang="en-US" sz="2700" dirty="0">
-                  <a:latin typeface="Times New Roman" panose="02020603050405020304" pitchFamily="18" charset="0"/>
-                  <a:cs typeface="Times New Roman" panose="02020603050405020304" pitchFamily="18" charset="0"/>
-                </a:endParaRPr>
-              </a:p>
-              <a:p>
-                <a:pPr algn="just">
-                  <a:lnSpc>
-                    <a:spcPct val="120000"/>
-                  </a:lnSpc>
-                </a:pPr>
-                <a:r>
-                  <a:rPr lang="en-US" sz="2700" dirty="0" err="1">
-                    <a:latin typeface="Times New Roman" panose="02020603050405020304" pitchFamily="18" charset="0"/>
-                    <a:cs typeface="Times New Roman" panose="02020603050405020304" pitchFamily="18" charset="0"/>
-                  </a:rPr>
-                  <a:t>meanP</a:t>
-                </a:r>
+                <a14:m>
+                  <m:oMath xmlns:m="http://schemas.openxmlformats.org/officeDocument/2006/math">
+                    <m:sSub>
+                      <m:sSubPr>
+                        <m:ctrlPr>
+                          <a:rPr lang="en-US" sz="2700" i="1">
+                            <a:latin typeface="Cambria Math" panose="02040503050406030204" pitchFamily="18" charset="0"/>
+                            <a:cs typeface="Times New Roman" panose="02020603050405020304" pitchFamily="18" charset="0"/>
+                          </a:rPr>
+                        </m:ctrlPr>
+                      </m:sSubPr>
+                      <m:e>
+                        <m:r>
+                          <a:rPr lang="en-US" sz="2700" i="1">
+                            <a:latin typeface="Cambria Math" panose="02040503050406030204" pitchFamily="18" charset="0"/>
+                            <a:ea typeface="Cambria Math" panose="02040503050406030204" pitchFamily="18" charset="0"/>
+                            <a:cs typeface="Times New Roman" panose="02020603050405020304" pitchFamily="18" charset="0"/>
+                          </a:rPr>
+                          <m:t>𝜇</m:t>
+                        </m:r>
+                      </m:e>
+                      <m:sub>
+                        <m:r>
+                          <a:rPr lang="en-US" sz="2700" i="1">
+                            <a:latin typeface="Cambria Math" panose="02040503050406030204" pitchFamily="18" charset="0"/>
+                            <a:cs typeface="Times New Roman" panose="02020603050405020304" pitchFamily="18" charset="0"/>
+                          </a:rPr>
+                          <m:t>𝑃</m:t>
+                        </m:r>
+                      </m:sub>
+                    </m:sSub>
+                    <m:r>
+                      <a:rPr lang="en-US" sz="2700" i="1">
+                        <a:latin typeface="Cambria Math" panose="02040503050406030204" pitchFamily="18" charset="0"/>
+                        <a:cs typeface="Times New Roman" panose="02020603050405020304" pitchFamily="18" charset="0"/>
+                      </a:rPr>
+                      <m:t>=10</m:t>
+                    </m:r>
+                  </m:oMath>
+                </a14:m>
                 <a:r>
                   <a:rPr lang="en-US" sz="2700" dirty="0">
                     <a:latin typeface="Times New Roman" panose="02020603050405020304" pitchFamily="18" charset="0"/>
                     <a:cs typeface="Times New Roman" panose="02020603050405020304" pitchFamily="18" charset="0"/>
                   </a:rPr>
-                  <a:t> = 10</a:t>
+                  <a:t> </a:t>
                 </a:r>
               </a:p>
               <a:p>
@@ -4383,19 +4902,52 @@
                     <a:spcPct val="120000"/>
                   </a:lnSpc>
                 </a:pPr>
-                <a:r>
-                  <a:rPr lang="en-US" sz="2700" dirty="0" err="1">
-                    <a:latin typeface="Times New Roman" panose="02020603050405020304" pitchFamily="18" charset="0"/>
-                    <a:cs typeface="Times New Roman" panose="02020603050405020304" pitchFamily="18" charset="0"/>
-                  </a:rPr>
-                  <a:t>sdP</a:t>
-                </a:r>
+                <a14:m>
+                  <m:oMath xmlns:m="http://schemas.openxmlformats.org/officeDocument/2006/math">
+                    <m:sSub>
+                      <m:sSubPr>
+                        <m:ctrlPr>
+                          <a:rPr lang="en-US" sz="2700" i="1">
+                            <a:latin typeface="Cambria Math" panose="02040503050406030204" pitchFamily="18" charset="0"/>
+                            <a:cs typeface="Times New Roman" panose="02020603050405020304" pitchFamily="18" charset="0"/>
+                          </a:rPr>
+                        </m:ctrlPr>
+                      </m:sSubPr>
+                      <m:e>
+                        <m:r>
+                          <a:rPr lang="en-US" sz="2700" i="1">
+                            <a:latin typeface="Cambria Math" panose="02040503050406030204" pitchFamily="18" charset="0"/>
+                            <a:ea typeface="Cambria Math" panose="02040503050406030204" pitchFamily="18" charset="0"/>
+                            <a:cs typeface="Times New Roman" panose="02020603050405020304" pitchFamily="18" charset="0"/>
+                          </a:rPr>
+                          <m:t>𝜎</m:t>
+                        </m:r>
+                      </m:e>
+                      <m:sub>
+                        <m:r>
+                          <a:rPr lang="en-US" sz="2700" i="1">
+                            <a:latin typeface="Cambria Math" panose="02040503050406030204" pitchFamily="18" charset="0"/>
+                            <a:cs typeface="Times New Roman" panose="02020603050405020304" pitchFamily="18" charset="0"/>
+                          </a:rPr>
+                          <m:t>𝑃</m:t>
+                        </m:r>
+                      </m:sub>
+                    </m:sSub>
+                    <m:r>
+                      <a:rPr lang="en-US" sz="2700" i="1">
+                        <a:latin typeface="Cambria Math" panose="02040503050406030204" pitchFamily="18" charset="0"/>
+                        <a:cs typeface="Times New Roman" panose="02020603050405020304" pitchFamily="18" charset="0"/>
+                      </a:rPr>
+                      <m:t>=1</m:t>
+                    </m:r>
+                  </m:oMath>
+                </a14:m>
                 <a:r>
                   <a:rPr lang="en-US" sz="2700" dirty="0">
                     <a:latin typeface="Times New Roman" panose="02020603050405020304" pitchFamily="18" charset="0"/>
                     <a:cs typeface="Times New Roman" panose="02020603050405020304" pitchFamily="18" charset="0"/>
                   </a:rPr>
-                  <a:t> = 1</a:t>
+                  <a:t> </a:t>
                 </a:r>
               </a:p>
               <a:p>
@@ -4404,19 +4956,53 @@
                     <a:spcPct val="120000"/>
                   </a:lnSpc>
                 </a:pPr>
-                <a:r>
-                  <a:rPr lang="en-US" sz="2700" dirty="0" err="1">
-                    <a:latin typeface="Times New Roman" panose="02020603050405020304" pitchFamily="18" charset="0"/>
-                    <a:cs typeface="Times New Roman" panose="02020603050405020304" pitchFamily="18" charset="0"/>
-                  </a:rPr>
-                  <a:t>meanQ</a:t>
-                </a:r>
+                <a14:m>
+                  <m:oMath xmlns:m="http://schemas.openxmlformats.org/officeDocument/2006/math">
+                    <m:sSub>
+                      <m:sSubPr>
+                        <m:ctrlPr>
+                          <a:rPr lang="en-US" sz="2700" i="1">
+                            <a:latin typeface="Cambria Math" panose="02040503050406030204" pitchFamily="18" charset="0"/>
+                            <a:cs typeface="Times New Roman" panose="02020603050405020304" pitchFamily="18" charset="0"/>
+                          </a:rPr>
+                        </m:ctrlPr>
+                      </m:sSubPr>
+                      <m:e>
+                        <m:r>
+                          <a:rPr lang="en-US" sz="2700" i="1">
+                            <a:latin typeface="Cambria Math" panose="02040503050406030204" pitchFamily="18" charset="0"/>
+                            <a:ea typeface="Cambria Math" panose="02040503050406030204" pitchFamily="18" charset="0"/>
+                            <a:cs typeface="Times New Roman" panose="02020603050405020304" pitchFamily="18" charset="0"/>
+                          </a:rPr>
+                          <m:t>𝜇</m:t>
+                        </m:r>
+                      </m:e>
+                      <m:sub>
+                        <m:r>
+                          <a:rPr lang="en-US" sz="2700" i="1">
+                            <a:latin typeface="Cambria Math" panose="02040503050406030204" pitchFamily="18" charset="0"/>
+                            <a:ea typeface="Cambria Math" panose="02040503050406030204" pitchFamily="18" charset="0"/>
+                            <a:cs typeface="Times New Roman" panose="02020603050405020304" pitchFamily="18" charset="0"/>
+                          </a:rPr>
+                          <m:t>𝑄</m:t>
+                        </m:r>
+                      </m:sub>
+                    </m:sSub>
+                    <m:r>
+                      <a:rPr lang="en-US" sz="2700" i="1">
+                        <a:latin typeface="Cambria Math" panose="02040503050406030204" pitchFamily="18" charset="0"/>
+                        <a:cs typeface="Times New Roman" panose="02020603050405020304" pitchFamily="18" charset="0"/>
+                      </a:rPr>
+                      <m:t>=10</m:t>
+                    </m:r>
+                  </m:oMath>
+                </a14:m>
                 <a:r>
                   <a:rPr lang="en-US" sz="2700" dirty="0">
                     <a:latin typeface="Times New Roman" panose="02020603050405020304" pitchFamily="18" charset="0"/>
                     <a:cs typeface="Times New Roman" panose="02020603050405020304" pitchFamily="18" charset="0"/>
                   </a:rPr>
-                  <a:t> = 10</a:t>
+                  <a:t> </a:t>
                 </a:r>
               </a:p>
               <a:p>
@@ -4425,19 +5011,53 @@
                     <a:spcPct val="120000"/>
                   </a:lnSpc>
                 </a:pPr>
-                <a:r>
-                  <a:rPr lang="en-US" sz="2700" dirty="0" err="1">
-                    <a:latin typeface="Times New Roman" panose="02020603050405020304" pitchFamily="18" charset="0"/>
-                    <a:cs typeface="Times New Roman" panose="02020603050405020304" pitchFamily="18" charset="0"/>
-                  </a:rPr>
-                  <a:t>sdQ</a:t>
-                </a:r>
+                <a14:m>
+                  <m:oMath xmlns:m="http://schemas.openxmlformats.org/officeDocument/2006/math">
+                    <m:sSub>
+                      <m:sSubPr>
+                        <m:ctrlPr>
+                          <a:rPr lang="en-US" sz="2700" i="1">
+                            <a:latin typeface="Cambria Math" panose="02040503050406030204" pitchFamily="18" charset="0"/>
+                            <a:cs typeface="Times New Roman" panose="02020603050405020304" pitchFamily="18" charset="0"/>
+                          </a:rPr>
+                        </m:ctrlPr>
+                      </m:sSubPr>
+                      <m:e>
+                        <m:r>
+                          <a:rPr lang="en-US" sz="2700" i="1">
+                            <a:latin typeface="Cambria Math" panose="02040503050406030204" pitchFamily="18" charset="0"/>
+                            <a:ea typeface="Cambria Math" panose="02040503050406030204" pitchFamily="18" charset="0"/>
+                            <a:cs typeface="Times New Roman" panose="02020603050405020304" pitchFamily="18" charset="0"/>
+                          </a:rPr>
+                          <m:t>𝜎</m:t>
+                        </m:r>
+                      </m:e>
+                      <m:sub>
+                        <m:r>
+                          <a:rPr lang="en-US" sz="2700" i="1">
+                            <a:latin typeface="Cambria Math" panose="02040503050406030204" pitchFamily="18" charset="0"/>
+                            <a:ea typeface="Cambria Math" panose="02040503050406030204" pitchFamily="18" charset="0"/>
+                            <a:cs typeface="Times New Roman" panose="02020603050405020304" pitchFamily="18" charset="0"/>
+                          </a:rPr>
+                          <m:t>𝑄</m:t>
+                        </m:r>
+                      </m:sub>
+                    </m:sSub>
+                    <m:r>
+                      <a:rPr lang="en-US" sz="2700" i="1">
+                        <a:latin typeface="Cambria Math" panose="02040503050406030204" pitchFamily="18" charset="0"/>
+                        <a:cs typeface="Times New Roman" panose="02020603050405020304" pitchFamily="18" charset="0"/>
+                      </a:rPr>
+                      <m:t>=1</m:t>
+                    </m:r>
+                  </m:oMath>
+                </a14:m>
                 <a:r>
                   <a:rPr lang="en-US" sz="2700" dirty="0">
                     <a:latin typeface="Times New Roman" panose="02020603050405020304" pitchFamily="18" charset="0"/>
                     <a:cs typeface="Times New Roman" panose="02020603050405020304" pitchFamily="18" charset="0"/>
                   </a:rPr>
-                  <a:t> = 1</a:t>
+                  <a:t> </a:t>
                 </a:r>
               </a:p>
               <a:p>
@@ -4446,12 +5066,30 @@
                     <a:spcPct val="120000"/>
                   </a:lnSpc>
                 </a:pPr>
+                <a14:m>
+                  <m:oMath xmlns:m="http://schemas.openxmlformats.org/officeDocument/2006/math">
+                    <m:r>
+                      <a:rPr lang="en-US" sz="2700" i="1">
+                        <a:latin typeface="Cambria Math" panose="02040503050406030204" pitchFamily="18" charset="0"/>
+                        <a:cs typeface="Times New Roman" panose="02020603050405020304" pitchFamily="18" charset="0"/>
+                      </a:rPr>
+                      <m:t>𝑘</m:t>
+                    </m:r>
+                    <m:r>
+                      <a:rPr lang="en-US" sz="2700" i="1">
+                        <a:latin typeface="Cambria Math" panose="02040503050406030204" pitchFamily="18" charset="0"/>
+                        <a:cs typeface="Times New Roman" panose="02020603050405020304" pitchFamily="18" charset="0"/>
+                      </a:rPr>
+                      <m:t>=1</m:t>
+                    </m:r>
+                  </m:oMath>
+                </a14:m>
                 <a:r>
                   <a:rPr lang="en-US" sz="2700" dirty="0">
                     <a:latin typeface="Times New Roman" panose="02020603050405020304" pitchFamily="18" charset="0"/>
                     <a:cs typeface="Times New Roman" panose="02020603050405020304" pitchFamily="18" charset="0"/>
                   </a:rPr>
-                  <a:t>k = 1</a:t>
+                  <a:t> </a:t>
                 </a:r>
               </a:p>
               <a:p>
@@ -4461,20 +5099,6 @@
                   </a:lnSpc>
                 </a:pPr>
                 <a:endParaRPr lang="en-US" sz="2700" dirty="0">
-                  <a:latin typeface="Times New Roman" panose="02020603050405020304" pitchFamily="18" charset="0"/>
-                  <a:cs typeface="Times New Roman" panose="02020603050405020304" pitchFamily="18" charset="0"/>
-                </a:endParaRPr>
-              </a:p>
-              <a:p>
-                <a:pPr algn="just">
-                  <a:lnSpc>
-                    <a:spcPct val="120000"/>
-                  </a:lnSpc>
-                </a:pPr>
-                <a:endParaRPr lang="en-US" sz="2700" b="1" dirty="0">
-                  <a:solidFill>
-                    <a:srgbClr val="0070C0"/>
-                  </a:solidFill>
                   <a:latin typeface="Times New Roman" panose="02020603050405020304" pitchFamily="18" charset="0"/>
                   <a:cs typeface="Times New Roman" panose="02020603050405020304" pitchFamily="18" charset="0"/>
                 </a:endParaRPr>
@@ -4521,7 +5145,60 @@
                     <a:latin typeface="Times New Roman" panose="02020603050405020304" pitchFamily="18" charset="0"/>
                     <a:cs typeface="Times New Roman" panose="02020603050405020304" pitchFamily="18" charset="0"/>
                   </a:rPr>
-                  <a:t>We have calculated the analytic distribution for … However, the distribution does not have a mean and therefore shouldn’t theoretically follow the Central Limit Theorem. This suggests that the Dark Matter community should reconsider reporting yield as the measured quantity</a:t>
+                  <a:t>The analytic distribution was calculated for </a:t>
+                </a:r>
+                <a14:m>
+                  <m:oMath xmlns:m="http://schemas.openxmlformats.org/officeDocument/2006/math">
+                    <m:f>
+                      <m:fPr>
+                        <m:ctrlPr>
+                          <a:rPr lang="en-US" sz="2800" i="1">
+                            <a:latin typeface="Cambria Math" panose="02040503050406030204" pitchFamily="18" charset="0"/>
+                            <a:cs typeface="Times New Roman" panose="02020603050405020304" pitchFamily="18" charset="0"/>
+                          </a:rPr>
+                        </m:ctrlPr>
+                      </m:fPr>
+                      <m:num>
+                        <m:r>
+                          <a:rPr lang="en-US" sz="2800" i="1">
+                            <a:latin typeface="Cambria Math" panose="02040503050406030204" pitchFamily="18" charset="0"/>
+                            <a:cs typeface="Times New Roman" panose="02020603050405020304" pitchFamily="18" charset="0"/>
+                          </a:rPr>
+                          <m:t>𝑄</m:t>
+                        </m:r>
+                      </m:num>
+                      <m:den>
+                        <m:r>
+                          <a:rPr lang="en-US" sz="2800" i="1">
+                            <a:latin typeface="Cambria Math" panose="02040503050406030204" pitchFamily="18" charset="0"/>
+                            <a:cs typeface="Times New Roman" panose="02020603050405020304" pitchFamily="18" charset="0"/>
+                          </a:rPr>
+                          <m:t>𝑃</m:t>
+                        </m:r>
+                        <m:r>
+                          <a:rPr lang="en-US" sz="2800" i="1">
+                            <a:latin typeface="Cambria Math" panose="02040503050406030204" pitchFamily="18" charset="0"/>
+                            <a:cs typeface="Times New Roman" panose="02020603050405020304" pitchFamily="18" charset="0"/>
+                          </a:rPr>
+                          <m:t>−</m:t>
+                        </m:r>
+                        <m:r>
+                          <a:rPr lang="en-US" sz="2800" i="1">
+                            <a:latin typeface="Cambria Math" panose="02040503050406030204" pitchFamily="18" charset="0"/>
+                            <a:cs typeface="Times New Roman" panose="02020603050405020304" pitchFamily="18" charset="0"/>
+                          </a:rPr>
+                          <m:t>𝑘𝑄</m:t>
+                        </m:r>
+                      </m:den>
+                    </m:f>
+                  </m:oMath>
+                </a14:m>
+                <a:r>
+                  <a:rPr lang="en-US" sz="2700" dirty="0">
+                    <a:latin typeface="Times New Roman" panose="02020603050405020304" pitchFamily="18" charset="0"/>
+                    <a:cs typeface="Times New Roman" panose="02020603050405020304" pitchFamily="18" charset="0"/>
+                  </a:rPr>
+                  <a:t>, However, the distribution does not have a mean and therefore shouldn’t theoretically follow the Central Limit Theorem. This suggests that the Dark Matter community should reconsider reporting yield as the measured quantity.</a:t>
                 </a:r>
               </a:p>
             </p:txBody>
@@ -4544,8 +5221,8 @@
             </p:nvSpPr>
             <p:spPr>
               <a:xfrm>
-                <a:off x="396473" y="3823847"/>
-                <a:ext cx="8200217" cy="28465100"/>
+                <a:off x="353502" y="3064859"/>
+                <a:ext cx="8200217" cy="29483969"/>
               </a:xfrm>
               <a:prstGeom prst="rect">
                 <a:avLst/>
@@ -4553,7 +5230,7 @@
               <a:blipFill>
                 <a:blip r:embed="rId4"/>
                 <a:stretch>
-                  <a:fillRect l="-1413" t="-43" r="-1413"/>
+                  <a:fillRect l="-1413" t="-62" r="-1413"/>
                 </a:stretch>
               </a:blipFill>
             </p:spPr>
@@ -4651,7 +5328,7 @@
         </p:nvSpPr>
         <p:spPr>
           <a:xfrm>
-            <a:off x="1651697" y="2777601"/>
+            <a:off x="512194" y="2321587"/>
             <a:ext cx="4351183" cy="600293"/>
           </a:xfrm>
           <a:prstGeom prst="rect">
@@ -4693,7 +5370,7 @@
         <p:spPr>
           <a:xfrm>
             <a:off x="35571004" y="369572"/>
-            <a:ext cx="7642451" cy="30409863"/>
+            <a:ext cx="7642451" cy="22067580"/>
           </a:xfrm>
           <a:prstGeom prst="rect">
             <a:avLst/>
@@ -4708,36 +5385,23 @@
           <a:p>
             <a:pPr algn="just"/>
             <a:r>
-              <a:rPr lang="en-US" sz="3200" dirty="0">
+              <a:rPr lang="en-US" sz="2800" dirty="0">
                 <a:latin typeface="Times New Roman" panose="02020603050405020304" pitchFamily="18" charset="0"/>
                 <a:cs typeface="Times New Roman" panose="02020603050405020304" pitchFamily="18" charset="0"/>
               </a:rPr>
-              <a:t>The resultant distribution of yield is numerically tested against the CLT using sampling with the given parameters.</a:t>
+              <a:t>The Central Limit Theorem states that sometimes the sum of independent random variables tends to a normal distribution, even when the original distribution was not normal. This implies that the sample mean is distributed normally for certain distributions.</a:t>
             </a:r>
           </a:p>
           <a:p>
             <a:pPr algn="just"/>
-            <a:endParaRPr lang="en-US" sz="2880" b="1" dirty="0">
-              <a:solidFill>
-                <a:srgbClr val="0070C0"/>
-              </a:solidFill>
+            <a:endParaRPr lang="en-US" sz="2800" dirty="0">
               <a:latin typeface="Times New Roman" panose="02020603050405020304" pitchFamily="18" charset="0"/>
               <a:cs typeface="Times New Roman" panose="02020603050405020304" pitchFamily="18" charset="0"/>
             </a:endParaRPr>
           </a:p>
           <a:p>
             <a:pPr algn="just"/>
-            <a:r>
-              <a:rPr lang="en-US" sz="2880" b="1" dirty="0">
-                <a:solidFill>
-                  <a:srgbClr val="0070C0"/>
-                </a:solidFill>
-                <a:latin typeface="Times New Roman" panose="02020603050405020304" pitchFamily="18" charset="0"/>
-                <a:cs typeface="Times New Roman" panose="02020603050405020304" pitchFamily="18" charset="0"/>
-              </a:rPr>
-              <a:t>DISCUSSION (Continued)</a:t>
-            </a:r>
-            <a:endParaRPr lang="en-US" sz="2880" dirty="0">
+            <a:endParaRPr lang="en-US" sz="2800" dirty="0">
               <a:latin typeface="Times New Roman" panose="02020603050405020304" pitchFamily="18" charset="0"/>
               <a:cs typeface="Times New Roman" panose="02020603050405020304" pitchFamily="18" charset="0"/>
             </a:endParaRPr>
@@ -4745,28 +5409,7 @@
           <a:p>
             <a:pPr algn="just"/>
             <a:r>
-              <a:rPr lang="en-US" sz="2880" dirty="0">
-                <a:latin typeface="Times New Roman" panose="02020603050405020304" pitchFamily="18" charset="0"/>
-                <a:cs typeface="Times New Roman" panose="02020603050405020304" pitchFamily="18" charset="0"/>
-              </a:rPr>
-              <a:t>Preliminarily, in simulation the distribution seems to follow the CLT under certain parametrization, however, this phenomena can be explained with truncated evaluation. </a:t>
-            </a:r>
-          </a:p>
-          <a:p>
-            <a:pPr algn="just"/>
-            <a:endParaRPr lang="en-US" sz="2880" dirty="0">
-              <a:latin typeface="Times New Roman" panose="02020603050405020304" pitchFamily="18" charset="0"/>
-              <a:cs typeface="Times New Roman" panose="02020603050405020304" pitchFamily="18" charset="0"/>
-            </a:endParaRPr>
-          </a:p>
-          <a:p>
-            <a:pPr algn="just">
-              <a:lnSpc>
-                <a:spcPct val="120000"/>
-              </a:lnSpc>
-            </a:pPr>
-            <a:r>
-              <a:rPr lang="en-US" sz="3200" b="1" dirty="0">
+              <a:rPr lang="en-US" sz="2800" b="1" dirty="0">
                 <a:solidFill>
                   <a:srgbClr val="00B0F0"/>
                 </a:solidFill>
@@ -4775,141 +5418,232 @@
               </a:rPr>
               <a:t>RESULTS</a:t>
             </a:r>
-          </a:p>
-          <a:p>
-            <a:pPr marL="617220" indent="-617220" algn="just">
-              <a:lnSpc>
-                <a:spcPct val="120000"/>
-              </a:lnSpc>
-              <a:buFont typeface="Arial" panose="020B0604020202020204" pitchFamily="34" charset="0"/>
-              <a:buChar char="•"/>
-            </a:pPr>
-            <a:r>
-              <a:rPr lang="en-US" sz="3200" dirty="0">
+            <a:endParaRPr lang="en-US" sz="2800" dirty="0">
+              <a:latin typeface="Times New Roman" panose="02020603050405020304" pitchFamily="18" charset="0"/>
+              <a:cs typeface="Times New Roman" panose="02020603050405020304" pitchFamily="18" charset="0"/>
+            </a:endParaRPr>
+          </a:p>
+          <a:p>
+            <a:pPr algn="just"/>
+            <a:r>
+              <a:rPr lang="en-US" sz="2800" dirty="0">
                 <a:latin typeface="Times New Roman" panose="02020603050405020304" pitchFamily="18" charset="0"/>
                 <a:cs typeface="Times New Roman" panose="02020603050405020304" pitchFamily="18" charset="0"/>
               </a:rPr>
-              <a:t>Simulated Data follows the theoretical plot closely for all inputs (one example follows). </a:t>
-            </a:r>
-          </a:p>
-          <a:p>
-            <a:pPr marL="617220" indent="-617220" algn="just">
-              <a:lnSpc>
-                <a:spcPct val="120000"/>
-              </a:lnSpc>
-              <a:buFont typeface="Arial" panose="020B0604020202020204" pitchFamily="34" charset="0"/>
-              <a:buChar char="•"/>
-            </a:pPr>
-            <a:endParaRPr lang="en-US" sz="3200" dirty="0">
+              <a:t>A Normal Distribution, when tested for normality, has the following graphical results on a histogram and a Q-Q Plot.</a:t>
+            </a:r>
+          </a:p>
+          <a:p>
+            <a:pPr algn="just"/>
+            <a:endParaRPr lang="en-US" sz="2800" dirty="0">
               <a:latin typeface="Times New Roman" panose="02020603050405020304" pitchFamily="18" charset="0"/>
               <a:cs typeface="Times New Roman" panose="02020603050405020304" pitchFamily="18" charset="0"/>
             </a:endParaRPr>
           </a:p>
           <a:p>
-            <a:pPr algn="just">
-              <a:lnSpc>
-                <a:spcPct val="120000"/>
-              </a:lnSpc>
-            </a:pPr>
-            <a:endParaRPr lang="en-US" sz="3200" dirty="0">
+            <a:pPr algn="just"/>
+            <a:r>
+              <a:rPr lang="en-US" sz="2800" dirty="0">
+                <a:latin typeface="Times New Roman" panose="02020603050405020304" pitchFamily="18" charset="0"/>
+                <a:cs typeface="Times New Roman" panose="02020603050405020304" pitchFamily="18" charset="0"/>
+              </a:rPr>
+              <a:t>                                                    </a:t>
+            </a:r>
+          </a:p>
+          <a:p>
+            <a:pPr algn="just"/>
+            <a:endParaRPr lang="en-US" sz="2800" dirty="0">
               <a:latin typeface="Times New Roman" panose="02020603050405020304" pitchFamily="18" charset="0"/>
               <a:cs typeface="Times New Roman" panose="02020603050405020304" pitchFamily="18" charset="0"/>
             </a:endParaRPr>
           </a:p>
           <a:p>
-            <a:pPr algn="just">
-              <a:lnSpc>
-                <a:spcPct val="120000"/>
-              </a:lnSpc>
-            </a:pPr>
-            <a:endParaRPr lang="en-US" sz="3200" dirty="0">
+            <a:pPr algn="just"/>
+            <a:endParaRPr lang="en-US" sz="2800" dirty="0">
               <a:latin typeface="Times New Roman" panose="02020603050405020304" pitchFamily="18" charset="0"/>
               <a:cs typeface="Times New Roman" panose="02020603050405020304" pitchFamily="18" charset="0"/>
             </a:endParaRPr>
           </a:p>
           <a:p>
-            <a:pPr algn="just">
-              <a:lnSpc>
-                <a:spcPct val="120000"/>
-              </a:lnSpc>
-            </a:pPr>
-            <a:endParaRPr lang="en-US" sz="3200" dirty="0">
+            <a:pPr algn="just"/>
+            <a:endParaRPr lang="en-US" sz="2800" dirty="0">
               <a:latin typeface="Times New Roman" panose="02020603050405020304" pitchFamily="18" charset="0"/>
               <a:cs typeface="Times New Roman" panose="02020603050405020304" pitchFamily="18" charset="0"/>
             </a:endParaRPr>
           </a:p>
           <a:p>
-            <a:pPr marL="617220" indent="-617220" algn="just">
-              <a:lnSpc>
-                <a:spcPct val="120000"/>
-              </a:lnSpc>
-              <a:buFont typeface="Arial" panose="020B0604020202020204" pitchFamily="34" charset="0"/>
-              <a:buChar char="•"/>
-            </a:pPr>
-            <a:r>
-              <a:rPr lang="en-US" sz="3200" dirty="0">
+            <a:pPr algn="just"/>
+            <a:endParaRPr lang="en-US" sz="2800" dirty="0">
+              <a:latin typeface="Times New Roman" panose="02020603050405020304" pitchFamily="18" charset="0"/>
+              <a:cs typeface="Times New Roman" panose="02020603050405020304" pitchFamily="18" charset="0"/>
+            </a:endParaRPr>
+          </a:p>
+          <a:p>
+            <a:pPr algn="just"/>
+            <a:endParaRPr lang="en-US" sz="2800" dirty="0">
+              <a:latin typeface="Times New Roman" panose="02020603050405020304" pitchFamily="18" charset="0"/>
+              <a:cs typeface="Times New Roman" panose="02020603050405020304" pitchFamily="18" charset="0"/>
+            </a:endParaRPr>
+          </a:p>
+          <a:p>
+            <a:pPr algn="just"/>
+            <a:endParaRPr lang="en-US" sz="2800" dirty="0">
+              <a:latin typeface="Times New Roman" panose="02020603050405020304" pitchFamily="18" charset="0"/>
+              <a:cs typeface="Times New Roman" panose="02020603050405020304" pitchFamily="18" charset="0"/>
+            </a:endParaRPr>
+          </a:p>
+          <a:p>
+            <a:pPr algn="just"/>
+            <a:r>
+              <a:rPr lang="en-US" sz="2800" dirty="0">
                 <a:latin typeface="Times New Roman" panose="02020603050405020304" pitchFamily="18" charset="0"/>
                 <a:cs typeface="Times New Roman" panose="02020603050405020304" pitchFamily="18" charset="0"/>
               </a:rPr>
-              <a:t>A mean and variance cannot exist  for the theoretical yield</a:t>
-            </a:r>
-          </a:p>
-          <a:p>
-            <a:pPr marL="617220" indent="-617220" algn="just">
-              <a:lnSpc>
-                <a:spcPct val="120000"/>
-              </a:lnSpc>
-              <a:buFont typeface="Arial" panose="020B0604020202020204" pitchFamily="34" charset="0"/>
-              <a:buChar char="•"/>
-            </a:pPr>
-            <a:r>
-              <a:rPr lang="en-US" sz="3200" dirty="0">
+              <a:t>These are the </a:t>
+            </a:r>
+          </a:p>
+          <a:p>
+            <a:pPr algn="just"/>
+            <a:r>
+              <a:rPr lang="en-US" sz="2800" dirty="0">
                 <a:latin typeface="Times New Roman" panose="02020603050405020304" pitchFamily="18" charset="0"/>
                 <a:cs typeface="Times New Roman" panose="02020603050405020304" pitchFamily="18" charset="0"/>
               </a:rPr>
-              <a:t>With certain parameters the distribution clearly doesn’t follow the CLT; however, this isn’t as clear with different parameters.</a:t>
+              <a:t>expected results</a:t>
             </a:r>
           </a:p>
           <a:p>
             <a:pPr algn="just"/>
-            <a:endParaRPr lang="en-US" sz="2880" dirty="0">
+            <a:r>
+              <a:rPr lang="en-US" sz="2800" dirty="0">
+                <a:latin typeface="Times New Roman" panose="02020603050405020304" pitchFamily="18" charset="0"/>
+                <a:cs typeface="Times New Roman" panose="02020603050405020304" pitchFamily="18" charset="0"/>
+              </a:rPr>
+              <a:t>of normally </a:t>
+            </a:r>
+          </a:p>
+          <a:p>
+            <a:pPr algn="just"/>
+            <a:r>
+              <a:rPr lang="en-US" sz="2800" dirty="0">
+                <a:latin typeface="Times New Roman" panose="02020603050405020304" pitchFamily="18" charset="0"/>
+                <a:cs typeface="Times New Roman" panose="02020603050405020304" pitchFamily="18" charset="0"/>
+              </a:rPr>
+              <a:t>distributed data </a:t>
+            </a:r>
+          </a:p>
+          <a:p>
+            <a:pPr algn="just"/>
+            <a:endParaRPr lang="en-US" sz="2800" dirty="0">
               <a:latin typeface="Times New Roman" panose="02020603050405020304" pitchFamily="18" charset="0"/>
               <a:cs typeface="Times New Roman" panose="02020603050405020304" pitchFamily="18" charset="0"/>
             </a:endParaRPr>
           </a:p>
           <a:p>
             <a:pPr algn="just"/>
-            <a:endParaRPr lang="en-US" sz="2880" dirty="0">
+            <a:endParaRPr lang="en-US" sz="2800" dirty="0">
               <a:latin typeface="Times New Roman" panose="02020603050405020304" pitchFamily="18" charset="0"/>
               <a:cs typeface="Times New Roman" panose="02020603050405020304" pitchFamily="18" charset="0"/>
             </a:endParaRPr>
           </a:p>
           <a:p>
             <a:pPr algn="just"/>
-            <a:r>
-              <a:rPr lang="en-US" sz="2880" b="1" dirty="0">
+            <a:endParaRPr lang="en-US" sz="2800" dirty="0">
+              <a:latin typeface="Times New Roman" panose="02020603050405020304" pitchFamily="18" charset="0"/>
+              <a:cs typeface="Times New Roman" panose="02020603050405020304" pitchFamily="18" charset="0"/>
+            </a:endParaRPr>
+          </a:p>
+          <a:p>
+            <a:pPr algn="just"/>
+            <a:endParaRPr lang="en-US" sz="2800" dirty="0">
+              <a:latin typeface="Times New Roman" panose="02020603050405020304" pitchFamily="18" charset="0"/>
+              <a:cs typeface="Times New Roman" panose="02020603050405020304" pitchFamily="18" charset="0"/>
+            </a:endParaRPr>
+          </a:p>
+          <a:p>
+            <a:pPr algn="just"/>
+            <a:r>
+              <a:rPr lang="en-US" sz="2800" dirty="0">
+                <a:latin typeface="Times New Roman" panose="02020603050405020304" pitchFamily="18" charset="0"/>
+                <a:cs typeface="Times New Roman" panose="02020603050405020304" pitchFamily="18" charset="0"/>
+              </a:rPr>
+              <a:t>The yield distribution is numerically tested against the Central Limit Theorem using sampling.</a:t>
+            </a:r>
+            <a:endParaRPr lang="en-US" sz="2800" b="1" dirty="0">
+              <a:solidFill>
+                <a:srgbClr val="00B0F0"/>
+              </a:solidFill>
+              <a:latin typeface="Times New Roman" panose="02020603050405020304" pitchFamily="18" charset="0"/>
+              <a:cs typeface="Times New Roman" panose="02020603050405020304" pitchFamily="18" charset="0"/>
+            </a:endParaRPr>
+          </a:p>
+          <a:p>
+            <a:pPr algn="just"/>
+            <a:endParaRPr lang="en-US" sz="2800" b="1" dirty="0">
+              <a:solidFill>
+                <a:srgbClr val="00B0F0"/>
+              </a:solidFill>
+              <a:latin typeface="Times New Roman" panose="02020603050405020304" pitchFamily="18" charset="0"/>
+              <a:cs typeface="Times New Roman" panose="02020603050405020304" pitchFamily="18" charset="0"/>
+            </a:endParaRPr>
+          </a:p>
+          <a:p>
+            <a:pPr algn="just"/>
+            <a:r>
+              <a:rPr lang="en-US" sz="2800" dirty="0">
                 <a:solidFill>
                   <a:srgbClr val="00B0F0"/>
                 </a:solidFill>
                 <a:latin typeface="Times New Roman" panose="02020603050405020304" pitchFamily="18" charset="0"/>
                 <a:cs typeface="Times New Roman" panose="02020603050405020304" pitchFamily="18" charset="0"/>
               </a:rPr>
-              <a:t>ADDITIONAL TESTS</a:t>
-            </a:r>
-          </a:p>
-          <a:p>
-            <a:pPr algn="just"/>
-            <a:r>
-              <a:rPr lang="en-US" sz="2880" dirty="0">
+              <a:t>                                              </a:t>
+            </a:r>
+            <a:r>
+              <a:rPr lang="en-US" sz="2800" dirty="0">
                 <a:latin typeface="Times New Roman" panose="02020603050405020304" pitchFamily="18" charset="0"/>
                 <a:cs typeface="Times New Roman" panose="02020603050405020304" pitchFamily="18" charset="0"/>
               </a:rPr>
-              <a:t>The data shouldn’t theoretically follow the CLT, and this is illustrated clearly for most choices of parameters. The following plots show an example of where the CLT is not followed using a histogram and Q-Q plot.</a:t>
+              <a:t>     </a:t>
             </a:r>
           </a:p>
           <a:p>
             <a:pPr algn="just"/>
-            <a:endParaRPr lang="en-US" sz="2880" b="1" dirty="0">
+            <a:r>
+              <a:rPr lang="en-US" sz="2800" dirty="0">
+                <a:latin typeface="Times New Roman" panose="02020603050405020304" pitchFamily="18" charset="0"/>
+                <a:cs typeface="Times New Roman" panose="02020603050405020304" pitchFamily="18" charset="0"/>
+              </a:rPr>
+              <a:t>                                                    </a:t>
+            </a:r>
+          </a:p>
+          <a:p>
+            <a:pPr algn="just"/>
+            <a:r>
+              <a:rPr lang="en-US" sz="2800" dirty="0">
+                <a:latin typeface="Times New Roman" panose="02020603050405020304" pitchFamily="18" charset="0"/>
+                <a:cs typeface="Times New Roman" panose="02020603050405020304" pitchFamily="18" charset="0"/>
+              </a:rPr>
+              <a:t>   </a:t>
+            </a:r>
+          </a:p>
+          <a:p>
+            <a:pPr algn="just"/>
+            <a:endParaRPr lang="en-US" sz="2800" dirty="0">
+              <a:latin typeface="Times New Roman" panose="02020603050405020304" pitchFamily="18" charset="0"/>
+              <a:cs typeface="Times New Roman" panose="02020603050405020304" pitchFamily="18" charset="0"/>
+            </a:endParaRPr>
+          </a:p>
+          <a:p>
+            <a:pPr algn="just"/>
+            <a:endParaRPr lang="en-US" sz="2800" dirty="0">
+              <a:latin typeface="Times New Roman" panose="02020603050405020304" pitchFamily="18" charset="0"/>
+              <a:cs typeface="Times New Roman" panose="02020603050405020304" pitchFamily="18" charset="0"/>
+            </a:endParaRPr>
+          </a:p>
+          <a:p>
+            <a:pPr algn="just"/>
+            <a:endParaRPr lang="en-US" sz="2800" b="1" dirty="0">
               <a:solidFill>
                 <a:srgbClr val="00B0F0"/>
               </a:solidFill>
@@ -4919,7 +5653,7 @@
           </a:p>
           <a:p>
             <a:pPr algn="just"/>
-            <a:endParaRPr lang="en-US" sz="2880" b="1" dirty="0">
+            <a:endParaRPr lang="en-US" sz="2800" b="1" dirty="0">
               <a:solidFill>
                 <a:srgbClr val="00B0F0"/>
               </a:solidFill>
@@ -4929,7 +5663,14 @@
           </a:p>
           <a:p>
             <a:pPr algn="just"/>
-            <a:endParaRPr lang="en-US" sz="2880" b="1" dirty="0">
+            <a:r>
+              <a:rPr lang="en-US" sz="2800" dirty="0">
+                <a:latin typeface="Times New Roman" panose="02020603050405020304" pitchFamily="18" charset="0"/>
+                <a:cs typeface="Times New Roman" panose="02020603050405020304" pitchFamily="18" charset="0"/>
+              </a:rPr>
+              <a:t>This shows that</a:t>
+            </a:r>
+            <a:endParaRPr lang="en-US" sz="2800" b="1" dirty="0">
               <a:solidFill>
                 <a:srgbClr val="00B0F0"/>
               </a:solidFill>
@@ -4939,7 +5680,14 @@
           </a:p>
           <a:p>
             <a:pPr algn="just"/>
-            <a:endParaRPr lang="en-US" sz="2880" b="1" dirty="0">
+            <a:r>
+              <a:rPr lang="en-US" sz="2800" dirty="0">
+                <a:latin typeface="Times New Roman" panose="02020603050405020304" pitchFamily="18" charset="0"/>
+                <a:cs typeface="Times New Roman" panose="02020603050405020304" pitchFamily="18" charset="0"/>
+              </a:rPr>
+              <a:t>the sample means</a:t>
+            </a:r>
+            <a:endParaRPr lang="en-US" sz="2800" b="1" dirty="0">
               <a:solidFill>
                 <a:srgbClr val="00B0F0"/>
               </a:solidFill>
@@ -4949,122 +5697,107 @@
           </a:p>
           <a:p>
             <a:pPr algn="just"/>
-            <a:endParaRPr lang="en-US" sz="2880" b="1" dirty="0">
-              <a:solidFill>
-                <a:srgbClr val="00B0F0"/>
-              </a:solidFill>
+            <a:r>
+              <a:rPr lang="en-US" sz="2800" dirty="0">
+                <a:latin typeface="Times New Roman" panose="02020603050405020304" pitchFamily="18" charset="0"/>
+                <a:cs typeface="Times New Roman" panose="02020603050405020304" pitchFamily="18" charset="0"/>
+              </a:rPr>
+              <a:t>aren’t normally </a:t>
+            </a:r>
+          </a:p>
+          <a:p>
+            <a:pPr algn="just"/>
+            <a:r>
+              <a:rPr lang="en-US" sz="2800" dirty="0">
+                <a:latin typeface="Times New Roman" panose="02020603050405020304" pitchFamily="18" charset="0"/>
+                <a:cs typeface="Times New Roman" panose="02020603050405020304" pitchFamily="18" charset="0"/>
+              </a:rPr>
+              <a:t>distributed,</a:t>
+            </a:r>
+          </a:p>
+          <a:p>
+            <a:pPr algn="just"/>
+            <a:r>
+              <a:rPr lang="en-US" sz="2800" dirty="0">
+                <a:latin typeface="Times New Roman" panose="02020603050405020304" pitchFamily="18" charset="0"/>
+                <a:cs typeface="Times New Roman" panose="02020603050405020304" pitchFamily="18" charset="0"/>
+              </a:rPr>
+              <a:t>meaning that</a:t>
+            </a:r>
+          </a:p>
+          <a:p>
+            <a:pPr algn="just"/>
+            <a:r>
+              <a:rPr lang="en-US" sz="2800" dirty="0">
+                <a:latin typeface="Times New Roman" panose="02020603050405020304" pitchFamily="18" charset="0"/>
+                <a:cs typeface="Times New Roman" panose="02020603050405020304" pitchFamily="18" charset="0"/>
+              </a:rPr>
+              <a:t>the yield </a:t>
+            </a:r>
+          </a:p>
+          <a:p>
+            <a:pPr algn="just"/>
+            <a:r>
+              <a:rPr lang="en-US" sz="2800" dirty="0">
+                <a:latin typeface="Times New Roman" panose="02020603050405020304" pitchFamily="18" charset="0"/>
+                <a:cs typeface="Times New Roman" panose="02020603050405020304" pitchFamily="18" charset="0"/>
+              </a:rPr>
+              <a:t>distribution</a:t>
+            </a:r>
+          </a:p>
+          <a:p>
+            <a:pPr algn="just"/>
+            <a:r>
+              <a:rPr lang="en-US" sz="2800" dirty="0">
+                <a:latin typeface="Times New Roman" panose="02020603050405020304" pitchFamily="18" charset="0"/>
+                <a:cs typeface="Times New Roman" panose="02020603050405020304" pitchFamily="18" charset="0"/>
+              </a:rPr>
+              <a:t>doesn’t follow the </a:t>
+            </a:r>
+          </a:p>
+          <a:p>
+            <a:pPr algn="just"/>
+            <a:r>
+              <a:rPr lang="en-US" sz="2800" dirty="0">
+                <a:latin typeface="Times New Roman" panose="02020603050405020304" pitchFamily="18" charset="0"/>
+                <a:cs typeface="Times New Roman" panose="02020603050405020304" pitchFamily="18" charset="0"/>
+              </a:rPr>
+              <a:t>Central Limit Theorem.</a:t>
+            </a:r>
+          </a:p>
+          <a:p>
+            <a:pPr algn="just"/>
+            <a:endParaRPr lang="en-US" sz="2800" dirty="0">
               <a:latin typeface="Times New Roman" panose="02020603050405020304" pitchFamily="18" charset="0"/>
               <a:cs typeface="Times New Roman" panose="02020603050405020304" pitchFamily="18" charset="0"/>
             </a:endParaRPr>
           </a:p>
           <a:p>
             <a:pPr algn="just"/>
-            <a:endParaRPr lang="en-US" sz="2880" b="1" dirty="0">
-              <a:solidFill>
-                <a:srgbClr val="00B0F0"/>
-              </a:solidFill>
+            <a:r>
+              <a:rPr lang="en-US" sz="2800">
+                <a:latin typeface="Times New Roman" panose="02020603050405020304" pitchFamily="18" charset="0"/>
+                <a:cs typeface="Times New Roman" panose="02020603050405020304" pitchFamily="18" charset="0"/>
+              </a:rPr>
+              <a:t>The </a:t>
+            </a:r>
+            <a:endParaRPr lang="en-US" sz="2800" dirty="0">
               <a:latin typeface="Times New Roman" panose="02020603050405020304" pitchFamily="18" charset="0"/>
               <a:cs typeface="Times New Roman" panose="02020603050405020304" pitchFamily="18" charset="0"/>
             </a:endParaRPr>
           </a:p>
           <a:p>
             <a:pPr algn="just"/>
-            <a:endParaRPr lang="en-US" sz="2880" b="1" dirty="0">
-              <a:solidFill>
-                <a:srgbClr val="00B0F0"/>
-              </a:solidFill>
+            <a:endParaRPr lang="en-US" sz="2800" dirty="0">
               <a:latin typeface="Times New Roman" panose="02020603050405020304" pitchFamily="18" charset="0"/>
               <a:cs typeface="Times New Roman" panose="02020603050405020304" pitchFamily="18" charset="0"/>
             </a:endParaRPr>
           </a:p>
           <a:p>
             <a:pPr algn="just"/>
-            <a:r>
-              <a:rPr lang="en-US" sz="2880" dirty="0">
-                <a:latin typeface="Times New Roman" panose="02020603050405020304" pitchFamily="18" charset="0"/>
-                <a:cs typeface="Times New Roman" panose="02020603050405020304" pitchFamily="18" charset="0"/>
-              </a:rPr>
-              <a:t>With simulated data (of a finite sample size), there seems to be certain parametrizations in which the distribution follows the CLT. </a:t>
-            </a:r>
-          </a:p>
-          <a:p>
-            <a:pPr algn="just"/>
-            <a:endParaRPr lang="en-US" sz="2880" dirty="0">
+            <a:endParaRPr lang="en-US" sz="2800" dirty="0">
               <a:latin typeface="Times New Roman" panose="02020603050405020304" pitchFamily="18" charset="0"/>
               <a:cs typeface="Times New Roman" panose="02020603050405020304" pitchFamily="18" charset="0"/>
-            </a:endParaRPr>
-          </a:p>
-          <a:p>
-            <a:pPr algn="just"/>
-            <a:endParaRPr lang="en-US" sz="2880" dirty="0">
-              <a:latin typeface="Times New Roman" panose="02020603050405020304" pitchFamily="18" charset="0"/>
-              <a:cs typeface="Times New Roman" panose="02020603050405020304" pitchFamily="18" charset="0"/>
-            </a:endParaRPr>
-          </a:p>
-          <a:p>
-            <a:pPr algn="just"/>
-            <a:endParaRPr lang="en-US" sz="2880" dirty="0">
-              <a:latin typeface="Times New Roman" panose="02020603050405020304" pitchFamily="18" charset="0"/>
-              <a:cs typeface="Times New Roman" panose="02020603050405020304" pitchFamily="18" charset="0"/>
-            </a:endParaRPr>
-          </a:p>
-          <a:p>
-            <a:pPr algn="just"/>
-            <a:endParaRPr lang="en-US" sz="2880" dirty="0">
-              <a:latin typeface="Times New Roman" panose="02020603050405020304" pitchFamily="18" charset="0"/>
-              <a:cs typeface="Times New Roman" panose="02020603050405020304" pitchFamily="18" charset="0"/>
-            </a:endParaRPr>
-          </a:p>
-          <a:p>
-            <a:pPr algn="just"/>
-            <a:endParaRPr lang="en-US" sz="2880" dirty="0">
-              <a:latin typeface="Times New Roman" panose="02020603050405020304" pitchFamily="18" charset="0"/>
-              <a:cs typeface="Times New Roman" panose="02020603050405020304" pitchFamily="18" charset="0"/>
-            </a:endParaRPr>
-          </a:p>
-          <a:p>
-            <a:pPr algn="just"/>
-            <a:endParaRPr lang="en-US" sz="2880" dirty="0">
-              <a:latin typeface="Times New Roman" panose="02020603050405020304" pitchFamily="18" charset="0"/>
-              <a:cs typeface="Times New Roman" panose="02020603050405020304" pitchFamily="18" charset="0"/>
-            </a:endParaRPr>
-          </a:p>
-          <a:p>
-            <a:pPr algn="just"/>
-            <a:endParaRPr lang="en-US" sz="2880" dirty="0">
-              <a:latin typeface="Times New Roman" panose="02020603050405020304" pitchFamily="18" charset="0"/>
-              <a:cs typeface="Times New Roman" panose="02020603050405020304" pitchFamily="18" charset="0"/>
-            </a:endParaRPr>
-          </a:p>
-          <a:p>
-            <a:pPr algn="just"/>
-            <a:endParaRPr lang="en-US" sz="2880" dirty="0">
-              <a:latin typeface="Times New Roman" panose="02020603050405020304" pitchFamily="18" charset="0"/>
-              <a:cs typeface="Times New Roman" panose="02020603050405020304" pitchFamily="18" charset="0"/>
-            </a:endParaRPr>
-          </a:p>
-          <a:p>
-            <a:pPr algn="just"/>
-            <a:r>
-              <a:rPr lang="en-US" sz="2880" dirty="0">
-                <a:latin typeface="Times New Roman" panose="02020603050405020304" pitchFamily="18" charset="0"/>
-                <a:cs typeface="Times New Roman" panose="02020603050405020304" pitchFamily="18" charset="0"/>
-              </a:rPr>
-              <a:t>This, however, is an artifact of the fact that there is a very small probability that the denominator of the ratio goes to zero. Because this model of yield uses normal variables, there is always a non-zero probability of being arbitrarily close to 0. This results in the fact that the distribution can never follow the CLT. If the desired result is that the ratio distribution follows the CLT, then a method of allowing this and having an accurate ratio distribution is truncation. The truncation can either limit the denominator of the ratio to not approach 0 or the resultant ratio distribution for outliers.</a:t>
-            </a:r>
-            <a:endParaRPr lang="en-US" sz="2880" b="1" dirty="0">
-              <a:solidFill>
-                <a:srgbClr val="00B0F0"/>
-              </a:solidFill>
-              <a:latin typeface="Times New Roman" panose="02020603050405020304" pitchFamily="18" charset="0"/>
-              <a:cs typeface="Times New Roman" panose="02020603050405020304" pitchFamily="18" charset="0"/>
-            </a:endParaRPr>
-          </a:p>
-          <a:p>
-            <a:pPr algn="just"/>
-            <a:endParaRPr lang="en-US" sz="4050" dirty="0">
-              <a:latin typeface="Lato" panose="020F0502020204030203" pitchFamily="34" charset="0"/>
-              <a:cs typeface="Arial" panose="020B0604020202020204" pitchFamily="34" charset="0"/>
             </a:endParaRPr>
           </a:p>
         </p:txBody>
@@ -5097,7 +5830,7 @@
         </p:blipFill>
         <p:spPr>
           <a:xfrm>
-            <a:off x="40662020" y="26824889"/>
+            <a:off x="31362107" y="30902908"/>
             <a:ext cx="2832714" cy="1645920"/>
           </a:xfrm>
           <a:prstGeom prst="rect">
@@ -5107,10 +5840,10 @@
       </p:pic>
       <p:pic>
         <p:nvPicPr>
-          <p:cNvPr id="14" name="Picture 13">
+          <p:cNvPr id="17" name="Picture 16">
             <a:extLst>
               <a:ext uri="{FF2B5EF4-FFF2-40B4-BE49-F238E27FC236}">
-                <a16:creationId xmlns:a16="http://schemas.microsoft.com/office/drawing/2014/main" id="{9E6B78B5-B976-4187-99CD-9F7FF80A5CDF}"/>
+                <a16:creationId xmlns:a16="http://schemas.microsoft.com/office/drawing/2014/main" id="{ED3799F9-D13C-4650-B6BB-866587E6A209}"/>
               </a:ext>
             </a:extLst>
           </p:cNvPr>
@@ -5133,8 +5866,8 @@
         </p:blipFill>
         <p:spPr>
           <a:xfrm>
-            <a:off x="35572356" y="11252873"/>
-            <a:ext cx="3819874" cy="2565036"/>
+            <a:off x="38084884" y="16404657"/>
+            <a:ext cx="5123059" cy="3614748"/>
           </a:xfrm>
           <a:prstGeom prst="rect">
             <a:avLst/>
@@ -5143,10 +5876,10 @@
       </p:pic>
       <p:pic>
         <p:nvPicPr>
-          <p:cNvPr id="17" name="Picture 16">
+          <p:cNvPr id="19" name="Picture 18">
             <a:extLst>
               <a:ext uri="{FF2B5EF4-FFF2-40B4-BE49-F238E27FC236}">
-                <a16:creationId xmlns:a16="http://schemas.microsoft.com/office/drawing/2014/main" id="{ED3799F9-D13C-4650-B6BB-866587E6A209}"/>
+                <a16:creationId xmlns:a16="http://schemas.microsoft.com/office/drawing/2014/main" id="{87C57ABA-F50E-4D84-BB21-DEA9C98AB23A}"/>
               </a:ext>
             </a:extLst>
           </p:cNvPr>
@@ -5169,8 +5902,8 @@
         </p:blipFill>
         <p:spPr>
           <a:xfrm>
-            <a:off x="39976200" y="9970355"/>
-            <a:ext cx="3635338" cy="2565036"/>
+            <a:off x="35571004" y="22946203"/>
+            <a:ext cx="4589929" cy="3357898"/>
           </a:xfrm>
           <a:prstGeom prst="rect">
             <a:avLst/>
@@ -5179,10 +5912,10 @@
       </p:pic>
       <p:pic>
         <p:nvPicPr>
-          <p:cNvPr id="19" name="Picture 18">
+          <p:cNvPr id="22" name="Picture 21">
             <a:extLst>
               <a:ext uri="{FF2B5EF4-FFF2-40B4-BE49-F238E27FC236}">
-                <a16:creationId xmlns:a16="http://schemas.microsoft.com/office/drawing/2014/main" id="{87C57ABA-F50E-4D84-BB21-DEA9C98AB23A}"/>
+                <a16:creationId xmlns:a16="http://schemas.microsoft.com/office/drawing/2014/main" id="{1368A0AD-1F17-4464-A0B2-1B275A3FC155}"/>
               </a:ext>
             </a:extLst>
           </p:cNvPr>
@@ -5205,44 +5938,8 @@
         </p:blipFill>
         <p:spPr>
           <a:xfrm>
-            <a:off x="35729212" y="15725750"/>
-            <a:ext cx="3506162" cy="2565036"/>
-          </a:xfrm>
-          <a:prstGeom prst="rect">
-            <a:avLst/>
-          </a:prstGeom>
-        </p:spPr>
-      </p:pic>
-      <p:pic>
-        <p:nvPicPr>
-          <p:cNvPr id="22" name="Picture 21">
-            <a:extLst>
-              <a:ext uri="{FF2B5EF4-FFF2-40B4-BE49-F238E27FC236}">
-                <a16:creationId xmlns:a16="http://schemas.microsoft.com/office/drawing/2014/main" id="{1368A0AD-1F17-4464-A0B2-1B275A3FC155}"/>
-              </a:ext>
-            </a:extLst>
-          </p:cNvPr>
-          <p:cNvPicPr>
-            <a:picLocks noChangeAspect="1"/>
-          </p:cNvPicPr>
-          <p:nvPr/>
-        </p:nvPicPr>
-        <p:blipFill>
-          <a:blip r:embed="rId9">
-            <a:extLst>
-              <a:ext uri="{28A0092B-C50C-407E-A947-70E740481C1C}">
-                <a14:useLocalDpi xmlns:a14="http://schemas.microsoft.com/office/drawing/2010/main" val="0"/>
-              </a:ext>
-            </a:extLst>
-          </a:blip>
-          <a:stretch>
-            <a:fillRect/>
-          </a:stretch>
-        </p:blipFill>
-        <p:spPr>
-          <a:xfrm>
-            <a:off x="39392230" y="15725750"/>
-            <a:ext cx="3579977" cy="2565036"/>
+            <a:off x="38168411" y="26598619"/>
+            <a:ext cx="5039531" cy="3610800"/>
           </a:xfrm>
           <a:prstGeom prst="rect">
             <a:avLst/>
@@ -5264,7 +5961,7 @@
           <p:nvPr/>
         </p:nvPicPr>
         <p:blipFill>
-          <a:blip r:embed="rId10">
+          <a:blip r:embed="rId9">
             <a:extLst>
               <a:ext uri="{28A0092B-C50C-407E-A947-70E740481C1C}">
                 <a14:useLocalDpi xmlns:a14="http://schemas.microsoft.com/office/drawing/2010/main" val="0"/>
@@ -5300,7 +5997,7 @@
           <p:nvPr/>
         </p:nvPicPr>
         <p:blipFill>
-          <a:blip r:embed="rId11">
+          <a:blip r:embed="rId10">
             <a:extLst>
               <a:ext uri="{28A0092B-C50C-407E-A947-70E740481C1C}">
                 <a14:useLocalDpi xmlns:a14="http://schemas.microsoft.com/office/drawing/2010/main" val="0"/>
@@ -5335,7 +6032,7 @@
         </p:nvGrpSpPr>
         <p:grpSpPr>
           <a:xfrm>
-            <a:off x="131245" y="11902208"/>
+            <a:off x="151286" y="12292012"/>
             <a:ext cx="8604648" cy="5854922"/>
             <a:chOff x="115203" y="11902208"/>
             <a:chExt cx="8604648" cy="5854922"/>
@@ -5356,7 +6053,7 @@
             <p:nvPr/>
           </p:nvPicPr>
           <p:blipFill>
-            <a:blip r:embed="rId12">
+            <a:blip r:embed="rId11">
               <a:extLst>
                 <a:ext uri="{28A0092B-C50C-407E-A947-70E740481C1C}">
                   <a14:useLocalDpi xmlns:a14="http://schemas.microsoft.com/office/drawing/2010/main" val="0"/>
@@ -5476,7 +6173,7 @@
         </p:nvSpPr>
         <p:spPr>
           <a:xfrm>
-            <a:off x="4513166" y="23918502"/>
+            <a:off x="4403788" y="23973316"/>
             <a:ext cx="1954978" cy="523220"/>
           </a:xfrm>
           <a:prstGeom prst="rect">
@@ -5518,7 +6215,7 @@
         </p:nvSpPr>
         <p:spPr>
           <a:xfrm>
-            <a:off x="4352520" y="27660615"/>
+            <a:off x="4455232" y="27782538"/>
             <a:ext cx="1954978" cy="523220"/>
           </a:xfrm>
           <a:prstGeom prst="rect">
@@ -5630,6 +6327,226 @@
           </a:p>
         </p:txBody>
       </p:sp>
+      <p:pic>
+        <p:nvPicPr>
+          <p:cNvPr id="6" name="Picture 5">
+            <a:extLst>
+              <a:ext uri="{FF2B5EF4-FFF2-40B4-BE49-F238E27FC236}">
+                <a16:creationId xmlns:a16="http://schemas.microsoft.com/office/drawing/2014/main" id="{141365BE-3A31-4235-B44C-E75D490C3B79}"/>
+              </a:ext>
+            </a:extLst>
+          </p:cNvPr>
+          <p:cNvPicPr>
+            <a:picLocks noChangeAspect="1"/>
+          </p:cNvPicPr>
+          <p:nvPr/>
+        </p:nvPicPr>
+        <p:blipFill>
+          <a:blip r:embed="rId12">
+            <a:extLst>
+              <a:ext uri="{28A0092B-C50C-407E-A947-70E740481C1C}">
+                <a14:useLocalDpi xmlns:a14="http://schemas.microsoft.com/office/drawing/2010/main" val="0"/>
+              </a:ext>
+            </a:extLst>
+          </a:blip>
+          <a:stretch>
+            <a:fillRect/>
+          </a:stretch>
+        </p:blipFill>
+        <p:spPr>
+          <a:xfrm>
+            <a:off x="12949215" y="27283411"/>
+            <a:ext cx="2857500" cy="2857500"/>
+          </a:xfrm>
+          <a:prstGeom prst="rect">
+            <a:avLst/>
+          </a:prstGeom>
+        </p:spPr>
+      </p:pic>
+      <p:sp>
+        <p:nvSpPr>
+          <p:cNvPr id="8" name="TextBox 7">
+            <a:extLst>
+              <a:ext uri="{FF2B5EF4-FFF2-40B4-BE49-F238E27FC236}">
+                <a16:creationId xmlns:a16="http://schemas.microsoft.com/office/drawing/2014/main" id="{85B2EA15-3A53-48B2-9B4C-D6C5BF819D97}"/>
+              </a:ext>
+            </a:extLst>
+          </p:cNvPr>
+          <p:cNvSpPr txBox="1"/>
+          <p:nvPr/>
+        </p:nvSpPr>
+        <p:spPr>
+          <a:xfrm>
+            <a:off x="12949215" y="25698051"/>
+            <a:ext cx="3287916" cy="1815882"/>
+          </a:xfrm>
+          <a:prstGeom prst="rect">
+            <a:avLst/>
+          </a:prstGeom>
+          <a:noFill/>
+        </p:spPr>
+        <p:txBody>
+          <a:bodyPr wrap="square" rtlCol="0">
+            <a:spAutoFit/>
+          </a:bodyPr>
+          <a:lstStyle/>
+          <a:p>
+            <a:r>
+              <a:rPr lang="en-US" sz="2800" dirty="0">
+                <a:solidFill>
+                  <a:schemeClr val="bg1"/>
+                </a:solidFill>
+                <a:latin typeface="Times New Roman" panose="02020603050405020304" pitchFamily="18" charset="0"/>
+                <a:cs typeface="Times New Roman" panose="02020603050405020304" pitchFamily="18" charset="0"/>
+              </a:rPr>
+              <a:t>For details on the analytic solution</a:t>
+            </a:r>
+          </a:p>
+          <a:p>
+            <a:r>
+              <a:rPr lang="en-US" sz="2800" dirty="0">
+                <a:solidFill>
+                  <a:schemeClr val="bg1"/>
+                </a:solidFill>
+                <a:latin typeface="Times New Roman" panose="02020603050405020304" pitchFamily="18" charset="0"/>
+                <a:cs typeface="Times New Roman" panose="02020603050405020304" pitchFamily="18" charset="0"/>
+                <a:hlinkClick r:id="rId13">
+                  <a:extLst>
+                    <a:ext uri="{A12FA001-AC4F-418D-AE19-62706E023703}">
+                      <ahyp:hlinkClr xmlns:ahyp="http://schemas.microsoft.com/office/drawing/2018/hyperlinkcolor" val="tx"/>
+                    </a:ext>
+                  </a:extLst>
+                </a:hlinkClick>
+              </a:rPr>
+              <a:t>https://osf.io/hb89p/</a:t>
+            </a:r>
+            <a:endParaRPr lang="en-US" sz="2800" dirty="0">
+              <a:solidFill>
+                <a:schemeClr val="bg1"/>
+              </a:solidFill>
+              <a:latin typeface="Times New Roman" panose="02020603050405020304" pitchFamily="18" charset="0"/>
+              <a:cs typeface="Times New Roman" panose="02020603050405020304" pitchFamily="18" charset="0"/>
+            </a:endParaRPr>
+          </a:p>
+          <a:p>
+            <a:endParaRPr lang="en-US" sz="2800" dirty="0">
+              <a:solidFill>
+                <a:schemeClr val="bg1"/>
+              </a:solidFill>
+              <a:latin typeface="Times New Roman" panose="02020603050405020304" pitchFamily="18" charset="0"/>
+              <a:cs typeface="Times New Roman" panose="02020603050405020304" pitchFamily="18" charset="0"/>
+            </a:endParaRPr>
+          </a:p>
+        </p:txBody>
+      </p:sp>
+      <p:pic>
+        <p:nvPicPr>
+          <p:cNvPr id="9" name="Picture 8">
+            <a:extLst>
+              <a:ext uri="{FF2B5EF4-FFF2-40B4-BE49-F238E27FC236}">
+                <a16:creationId xmlns:a16="http://schemas.microsoft.com/office/drawing/2014/main" id="{2F62ED8F-CE3E-4E3C-8618-7BB26D78D78B}"/>
+              </a:ext>
+            </a:extLst>
+          </p:cNvPr>
+          <p:cNvPicPr>
+            <a:picLocks noChangeAspect="1"/>
+          </p:cNvPicPr>
+          <p:nvPr/>
+        </p:nvPicPr>
+        <p:blipFill>
+          <a:blip r:embed="rId14">
+            <a:extLst>
+              <a:ext uri="{28A0092B-C50C-407E-A947-70E740481C1C}">
+                <a14:useLocalDpi xmlns:a14="http://schemas.microsoft.com/office/drawing/2010/main" val="0"/>
+              </a:ext>
+            </a:extLst>
+          </a:blip>
+          <a:stretch>
+            <a:fillRect/>
+          </a:stretch>
+        </p:blipFill>
+        <p:spPr>
+          <a:xfrm>
+            <a:off x="35571004" y="5546316"/>
+            <a:ext cx="4579836" cy="3082126"/>
+          </a:xfrm>
+          <a:prstGeom prst="rect">
+            <a:avLst/>
+          </a:prstGeom>
+        </p:spPr>
+      </p:pic>
+      <p:pic>
+        <p:nvPicPr>
+          <p:cNvPr id="15" name="Picture 14">
+            <a:extLst>
+              <a:ext uri="{FF2B5EF4-FFF2-40B4-BE49-F238E27FC236}">
+                <a16:creationId xmlns:a16="http://schemas.microsoft.com/office/drawing/2014/main" id="{5DD3D216-CC69-4318-83A2-95F5E65618BE}"/>
+              </a:ext>
+            </a:extLst>
+          </p:cNvPr>
+          <p:cNvPicPr>
+            <a:picLocks noChangeAspect="1"/>
+          </p:cNvPicPr>
+          <p:nvPr/>
+        </p:nvPicPr>
+        <p:blipFill>
+          <a:blip r:embed="rId15">
+            <a:extLst>
+              <a:ext uri="{28A0092B-C50C-407E-A947-70E740481C1C}">
+                <a14:useLocalDpi xmlns:a14="http://schemas.microsoft.com/office/drawing/2010/main" val="0"/>
+              </a:ext>
+            </a:extLst>
+          </a:blip>
+          <a:stretch>
+            <a:fillRect/>
+          </a:stretch>
+        </p:blipFill>
+        <p:spPr>
+          <a:xfrm>
+            <a:off x="38168412" y="8628442"/>
+            <a:ext cx="5045043" cy="3614748"/>
+          </a:xfrm>
+          <a:prstGeom prst="rect">
+            <a:avLst/>
+          </a:prstGeom>
+        </p:spPr>
+      </p:pic>
+      <p:pic>
+        <p:nvPicPr>
+          <p:cNvPr id="20" name="Picture 19">
+            <a:extLst>
+              <a:ext uri="{FF2B5EF4-FFF2-40B4-BE49-F238E27FC236}">
+                <a16:creationId xmlns:a16="http://schemas.microsoft.com/office/drawing/2014/main" id="{7677D80F-5D67-4A6C-8737-3D13B90939EC}"/>
+              </a:ext>
+            </a:extLst>
+          </p:cNvPr>
+          <p:cNvPicPr>
+            <a:picLocks noChangeAspect="1"/>
+          </p:cNvPicPr>
+          <p:nvPr/>
+        </p:nvPicPr>
+        <p:blipFill>
+          <a:blip r:embed="rId16">
+            <a:extLst>
+              <a:ext uri="{28A0092B-C50C-407E-A947-70E740481C1C}">
+                <a14:useLocalDpi xmlns:a14="http://schemas.microsoft.com/office/drawing/2010/main" val="0"/>
+              </a:ext>
+            </a:extLst>
+          </a:blip>
+          <a:stretch>
+            <a:fillRect/>
+          </a:stretch>
+        </p:blipFill>
+        <p:spPr>
+          <a:xfrm>
+            <a:off x="35571004" y="13404534"/>
+            <a:ext cx="4589929" cy="3082127"/>
+          </a:xfrm>
+          <a:prstGeom prst="rect">
+            <a:avLst/>
+          </a:prstGeom>
+        </p:spPr>
+      </p:pic>
     </p:spTree>
     <p:extLst>
       <p:ext uri="{BB962C8B-B14F-4D97-AF65-F5344CB8AC3E}">

--- a/RaCAS Presentation.pptx
+++ b/RaCAS Presentation.pptx
@@ -3520,7 +3520,7 @@
         </p:nvSpPr>
         <p:spPr>
           <a:xfrm>
-            <a:off x="34898026" y="-51447"/>
+            <a:off x="34898026" y="0"/>
             <a:ext cx="8993174" cy="32918400"/>
           </a:xfrm>
           <a:prstGeom prst="rect">
@@ -3576,8 +3576,8 @@
           </a:p>
         </p:txBody>
       </p:sp>
-      <mc:AlternateContent xmlns:mc="http://schemas.openxmlformats.org/markup-compatibility/2006">
-        <mc:Choice xmlns:a14="http://schemas.microsoft.com/office/drawing/2010/main" Requires="a14">
+      <mc:AlternateContent xmlns:mc="http://schemas.openxmlformats.org/markup-compatibility/2006" xmlns:a14="http://schemas.microsoft.com/office/drawing/2010/main">
+        <mc:Choice Requires="a14">
           <p:sp>
             <p:nvSpPr>
               <p:cNvPr id="5" name="Title 4">
@@ -3698,7 +3698,7 @@
             </p:txBody>
           </p:sp>
         </mc:Choice>
-        <mc:Fallback>
+        <mc:Fallback xmlns="">
           <p:sp>
             <p:nvSpPr>
               <p:cNvPr id="5" name="Title 4">
@@ -3796,8 +3796,8 @@
           </a:p>
         </p:txBody>
       </p:sp>
-      <mc:AlternateContent xmlns:mc="http://schemas.openxmlformats.org/markup-compatibility/2006">
-        <mc:Choice xmlns:a14="http://schemas.microsoft.com/office/drawing/2010/main" Requires="a14">
+      <mc:AlternateContent xmlns:mc="http://schemas.openxmlformats.org/markup-compatibility/2006" xmlns:a14="http://schemas.microsoft.com/office/drawing/2010/main">
+        <mc:Choice Requires="a14">
           <p:sp>
             <p:nvSpPr>
               <p:cNvPr id="3" name="TextBox 2">
@@ -5204,7 +5204,7 @@
             </p:txBody>
           </p:sp>
         </mc:Choice>
-        <mc:Fallback>
+        <mc:Fallback xmlns="">
           <p:sp>
             <p:nvSpPr>
               <p:cNvPr id="3" name="TextBox 2">
@@ -5370,7 +5370,7 @@
         <p:spPr>
           <a:xfrm>
             <a:off x="35571004" y="369572"/>
-            <a:ext cx="7642451" cy="22067580"/>
+            <a:ext cx="7642451" cy="30254436"/>
           </a:xfrm>
           <a:prstGeom prst="rect">
             <a:avLst/>
@@ -5386,10 +5386,33 @@
             <a:pPr algn="just"/>
             <a:r>
               <a:rPr lang="en-US" sz="2800" dirty="0">
+                <a:solidFill>
+                  <a:srgbClr val="0070C0"/>
+                </a:solidFill>
                 <a:latin typeface="Times New Roman" panose="02020603050405020304" pitchFamily="18" charset="0"/>
                 <a:cs typeface="Times New Roman" panose="02020603050405020304" pitchFamily="18" charset="0"/>
               </a:rPr>
-              <a:t>The Central Limit Theorem states that sometimes the sum of independent random variables tends to a normal distribution, even when the original distribution was not normal. This implies that the sample mean is distributed normally for certain distributions.</a:t>
+              <a:t>The </a:t>
+            </a:r>
+            <a:r>
+              <a:rPr lang="en-US" sz="2800" dirty="0">
+                <a:solidFill>
+                  <a:srgbClr val="00B0F0"/>
+                </a:solidFill>
+                <a:latin typeface="Times New Roman" panose="02020603050405020304" pitchFamily="18" charset="0"/>
+                <a:cs typeface="Times New Roman" panose="02020603050405020304" pitchFamily="18" charset="0"/>
+              </a:rPr>
+              <a:t>CENTRAL LIMIT THEOREM </a:t>
+            </a:r>
+            <a:r>
+              <a:rPr lang="en-US" sz="2800" dirty="0">
+                <a:solidFill>
+                  <a:srgbClr val="0070C0"/>
+                </a:solidFill>
+                <a:latin typeface="Times New Roman" panose="02020603050405020304" pitchFamily="18" charset="0"/>
+                <a:cs typeface="Times New Roman" panose="02020603050405020304" pitchFamily="18" charset="0"/>
+              </a:rPr>
+              <a:t>states that sometimes the sum of independent random variables tends to a normal distribution, even when the original distribution was not normal. This implies that the sample mean is distributed normally for certain distributions.</a:t>
             </a:r>
           </a:p>
           <a:p>
@@ -5529,7 +5552,7 @@
                 <a:latin typeface="Times New Roman" panose="02020603050405020304" pitchFamily="18" charset="0"/>
                 <a:cs typeface="Times New Roman" panose="02020603050405020304" pitchFamily="18" charset="0"/>
               </a:rPr>
-              <a:t>distributed data </a:t>
+              <a:t>distributed data. </a:t>
             </a:r>
           </a:p>
           <a:p>
@@ -5643,10 +5666,7 @@
           </a:p>
           <a:p>
             <a:pPr algn="just"/>
-            <a:endParaRPr lang="en-US" sz="2800" b="1" dirty="0">
-              <a:solidFill>
-                <a:srgbClr val="00B0F0"/>
-              </a:solidFill>
+            <a:endParaRPr lang="en-US" sz="2800" dirty="0">
               <a:latin typeface="Times New Roman" panose="02020603050405020304" pitchFamily="18" charset="0"/>
               <a:cs typeface="Times New Roman" panose="02020603050405020304" pitchFamily="18" charset="0"/>
             </a:endParaRPr>
@@ -5663,13 +5683,6 @@
           </a:p>
           <a:p>
             <a:pPr algn="just"/>
-            <a:r>
-              <a:rPr lang="en-US" sz="2800" dirty="0">
-                <a:latin typeface="Times New Roman" panose="02020603050405020304" pitchFamily="18" charset="0"/>
-                <a:cs typeface="Times New Roman" panose="02020603050405020304" pitchFamily="18" charset="0"/>
-              </a:rPr>
-              <a:t>This shows that</a:t>
-            </a:r>
             <a:endParaRPr lang="en-US" sz="2800" b="1" dirty="0">
               <a:solidFill>
                 <a:srgbClr val="00B0F0"/>
@@ -5685,7 +5698,7 @@
                 <a:latin typeface="Times New Roman" panose="02020603050405020304" pitchFamily="18" charset="0"/>
                 <a:cs typeface="Times New Roman" panose="02020603050405020304" pitchFamily="18" charset="0"/>
               </a:rPr>
-              <a:t>the sample means</a:t>
+              <a:t>This shows that</a:t>
             </a:r>
             <a:endParaRPr lang="en-US" sz="2800" b="1" dirty="0">
               <a:solidFill>
@@ -5702,6 +5715,23 @@
                 <a:latin typeface="Times New Roman" panose="02020603050405020304" pitchFamily="18" charset="0"/>
                 <a:cs typeface="Times New Roman" panose="02020603050405020304" pitchFamily="18" charset="0"/>
               </a:rPr>
+              <a:t>the sample means</a:t>
+            </a:r>
+            <a:endParaRPr lang="en-US" sz="2800" b="1" dirty="0">
+              <a:solidFill>
+                <a:srgbClr val="00B0F0"/>
+              </a:solidFill>
+              <a:latin typeface="Times New Roman" panose="02020603050405020304" pitchFamily="18" charset="0"/>
+              <a:cs typeface="Times New Roman" panose="02020603050405020304" pitchFamily="18" charset="0"/>
+            </a:endParaRPr>
+          </a:p>
+          <a:p>
+            <a:pPr algn="just"/>
+            <a:r>
+              <a:rPr lang="en-US" sz="2800" dirty="0">
+                <a:latin typeface="Times New Roman" panose="02020603050405020304" pitchFamily="18" charset="0"/>
+                <a:cs typeface="Times New Roman" panose="02020603050405020304" pitchFamily="18" charset="0"/>
+              </a:rPr>
               <a:t>aren’t normally </a:t>
             </a:r>
           </a:p>
@@ -5775,16 +5805,12 @@
           <a:p>
             <a:pPr algn="just"/>
             <a:r>
-              <a:rPr lang="en-US" sz="2800">
+              <a:rPr lang="en-US" sz="2800" dirty="0">
                 <a:latin typeface="Times New Roman" panose="02020603050405020304" pitchFamily="18" charset="0"/>
                 <a:cs typeface="Times New Roman" panose="02020603050405020304" pitchFamily="18" charset="0"/>
               </a:rPr>
-              <a:t>The </a:t>
-            </a:r>
-            <a:endParaRPr lang="en-US" sz="2800" dirty="0">
-              <a:latin typeface="Times New Roman" panose="02020603050405020304" pitchFamily="18" charset="0"/>
-              <a:cs typeface="Times New Roman" panose="02020603050405020304" pitchFamily="18" charset="0"/>
-            </a:endParaRPr>
+              <a:t>The yield distribution seems to follow the central limit theorem with certain parameters and finite sample size.</a:t>
+            </a:r>
           </a:p>
           <a:p>
             <a:pPr algn="just"/>
@@ -5799,6 +5825,135 @@
               <a:latin typeface="Times New Roman" panose="02020603050405020304" pitchFamily="18" charset="0"/>
               <a:cs typeface="Times New Roman" panose="02020603050405020304" pitchFamily="18" charset="0"/>
             </a:endParaRPr>
+          </a:p>
+          <a:p>
+            <a:pPr algn="just"/>
+            <a:endParaRPr lang="en-US" sz="2800" dirty="0">
+              <a:latin typeface="Times New Roman" panose="02020603050405020304" pitchFamily="18" charset="0"/>
+              <a:cs typeface="Times New Roman" panose="02020603050405020304" pitchFamily="18" charset="0"/>
+            </a:endParaRPr>
+          </a:p>
+          <a:p>
+            <a:pPr algn="just"/>
+            <a:endParaRPr lang="en-US" sz="2800" dirty="0">
+              <a:latin typeface="Times New Roman" panose="02020603050405020304" pitchFamily="18" charset="0"/>
+              <a:cs typeface="Times New Roman" panose="02020603050405020304" pitchFamily="18" charset="0"/>
+            </a:endParaRPr>
+          </a:p>
+          <a:p>
+            <a:pPr algn="just"/>
+            <a:endParaRPr lang="en-US" sz="2800" dirty="0">
+              <a:latin typeface="Times New Roman" panose="02020603050405020304" pitchFamily="18" charset="0"/>
+              <a:cs typeface="Times New Roman" panose="02020603050405020304" pitchFamily="18" charset="0"/>
+            </a:endParaRPr>
+          </a:p>
+          <a:p>
+            <a:pPr algn="just"/>
+            <a:endParaRPr lang="en-US" sz="2800" dirty="0">
+              <a:latin typeface="Times New Roman" panose="02020603050405020304" pitchFamily="18" charset="0"/>
+              <a:cs typeface="Times New Roman" panose="02020603050405020304" pitchFamily="18" charset="0"/>
+            </a:endParaRPr>
+          </a:p>
+          <a:p>
+            <a:pPr algn="just"/>
+            <a:endParaRPr lang="en-US" sz="2800" dirty="0">
+              <a:latin typeface="Times New Roman" panose="02020603050405020304" pitchFamily="18" charset="0"/>
+              <a:cs typeface="Times New Roman" panose="02020603050405020304" pitchFamily="18" charset="0"/>
+            </a:endParaRPr>
+          </a:p>
+          <a:p>
+            <a:pPr algn="just"/>
+            <a:endParaRPr lang="en-US" sz="2800" dirty="0">
+              <a:latin typeface="Times New Roman" panose="02020603050405020304" pitchFamily="18" charset="0"/>
+              <a:cs typeface="Times New Roman" panose="02020603050405020304" pitchFamily="18" charset="0"/>
+            </a:endParaRPr>
+          </a:p>
+          <a:p>
+            <a:pPr algn="just"/>
+            <a:endParaRPr lang="en-US" sz="2800" dirty="0">
+              <a:latin typeface="Times New Roman" panose="02020603050405020304" pitchFamily="18" charset="0"/>
+              <a:cs typeface="Times New Roman" panose="02020603050405020304" pitchFamily="18" charset="0"/>
+            </a:endParaRPr>
+          </a:p>
+          <a:p>
+            <a:pPr algn="just"/>
+            <a:r>
+              <a:rPr lang="en-US" sz="2800" dirty="0">
+                <a:latin typeface="Times New Roman" panose="02020603050405020304" pitchFamily="18" charset="0"/>
+                <a:cs typeface="Times New Roman" panose="02020603050405020304" pitchFamily="18" charset="0"/>
+              </a:rPr>
+              <a:t>This shows the </a:t>
+            </a:r>
+          </a:p>
+          <a:p>
+            <a:pPr algn="just"/>
+            <a:r>
+              <a:rPr lang="en-US" sz="2800" dirty="0">
+                <a:latin typeface="Times New Roman" panose="02020603050405020304" pitchFamily="18" charset="0"/>
+                <a:cs typeface="Times New Roman" panose="02020603050405020304" pitchFamily="18" charset="0"/>
+              </a:rPr>
+              <a:t>sample mean data</a:t>
+            </a:r>
+          </a:p>
+          <a:p>
+            <a:pPr algn="just"/>
+            <a:r>
+              <a:rPr lang="en-US" sz="2800" dirty="0">
+                <a:latin typeface="Times New Roman" panose="02020603050405020304" pitchFamily="18" charset="0"/>
+                <a:cs typeface="Times New Roman" panose="02020603050405020304" pitchFamily="18" charset="0"/>
+              </a:rPr>
+              <a:t>seeming very </a:t>
+            </a:r>
+          </a:p>
+          <a:p>
+            <a:pPr algn="just"/>
+            <a:r>
+              <a:rPr lang="en-US" sz="2800" dirty="0">
+                <a:latin typeface="Times New Roman" panose="02020603050405020304" pitchFamily="18" charset="0"/>
+                <a:cs typeface="Times New Roman" panose="02020603050405020304" pitchFamily="18" charset="0"/>
+              </a:rPr>
+              <a:t>Normal from the </a:t>
+            </a:r>
+          </a:p>
+          <a:p>
+            <a:pPr algn="just"/>
+            <a:r>
+              <a:rPr lang="en-US" sz="2800" dirty="0">
+                <a:latin typeface="Times New Roman" panose="02020603050405020304" pitchFamily="18" charset="0"/>
+                <a:cs typeface="Times New Roman" panose="02020603050405020304" pitchFamily="18" charset="0"/>
+              </a:rPr>
+              <a:t>Histogram and </a:t>
+            </a:r>
+          </a:p>
+          <a:p>
+            <a:pPr algn="just"/>
+            <a:r>
+              <a:rPr lang="en-US" sz="2800" dirty="0">
+                <a:latin typeface="Times New Roman" panose="02020603050405020304" pitchFamily="18" charset="0"/>
+                <a:cs typeface="Times New Roman" panose="02020603050405020304" pitchFamily="18" charset="0"/>
+              </a:rPr>
+              <a:t>Q-Q Plot, </a:t>
+            </a:r>
+          </a:p>
+          <a:p>
+            <a:pPr algn="just"/>
+            <a:r>
+              <a:rPr lang="en-US" sz="2800" dirty="0">
+                <a:latin typeface="Times New Roman" panose="02020603050405020304" pitchFamily="18" charset="0"/>
+                <a:cs typeface="Times New Roman" panose="02020603050405020304" pitchFamily="18" charset="0"/>
+              </a:rPr>
+              <a:t>suggesting that the</a:t>
+            </a:r>
+          </a:p>
+          <a:p>
+            <a:pPr algn="just"/>
+            <a:r>
+              <a:rPr lang="en-US" sz="2800" dirty="0">
+                <a:latin typeface="Times New Roman" panose="02020603050405020304" pitchFamily="18" charset="0"/>
+                <a:cs typeface="Times New Roman" panose="02020603050405020304" pitchFamily="18" charset="0"/>
+              </a:rPr>
+              <a:t>distribution could follow the Central Limit Theorem.</a:t>
+            </a:r>
           </a:p>
         </p:txBody>
       </p:sp>
@@ -5866,80 +6021,8 @@
         </p:blipFill>
         <p:spPr>
           <a:xfrm>
-            <a:off x="38084884" y="16404657"/>
+            <a:off x="38090396" y="16898219"/>
             <a:ext cx="5123059" cy="3614748"/>
-          </a:xfrm>
-          <a:prstGeom prst="rect">
-            <a:avLst/>
-          </a:prstGeom>
-        </p:spPr>
-      </p:pic>
-      <p:pic>
-        <p:nvPicPr>
-          <p:cNvPr id="19" name="Picture 18">
-            <a:extLst>
-              <a:ext uri="{FF2B5EF4-FFF2-40B4-BE49-F238E27FC236}">
-                <a16:creationId xmlns:a16="http://schemas.microsoft.com/office/drawing/2014/main" id="{87C57ABA-F50E-4D84-BB21-DEA9C98AB23A}"/>
-              </a:ext>
-            </a:extLst>
-          </p:cNvPr>
-          <p:cNvPicPr>
-            <a:picLocks noChangeAspect="1"/>
-          </p:cNvPicPr>
-          <p:nvPr/>
-        </p:nvPicPr>
-        <p:blipFill>
-          <a:blip r:embed="rId7">
-            <a:extLst>
-              <a:ext uri="{28A0092B-C50C-407E-A947-70E740481C1C}">
-                <a14:useLocalDpi xmlns:a14="http://schemas.microsoft.com/office/drawing/2010/main" val="0"/>
-              </a:ext>
-            </a:extLst>
-          </a:blip>
-          <a:stretch>
-            <a:fillRect/>
-          </a:stretch>
-        </p:blipFill>
-        <p:spPr>
-          <a:xfrm>
-            <a:off x="35571004" y="22946203"/>
-            <a:ext cx="4589929" cy="3357898"/>
-          </a:xfrm>
-          <a:prstGeom prst="rect">
-            <a:avLst/>
-          </a:prstGeom>
-        </p:spPr>
-      </p:pic>
-      <p:pic>
-        <p:nvPicPr>
-          <p:cNvPr id="22" name="Picture 21">
-            <a:extLst>
-              <a:ext uri="{FF2B5EF4-FFF2-40B4-BE49-F238E27FC236}">
-                <a16:creationId xmlns:a16="http://schemas.microsoft.com/office/drawing/2014/main" id="{1368A0AD-1F17-4464-A0B2-1B275A3FC155}"/>
-              </a:ext>
-            </a:extLst>
-          </p:cNvPr>
-          <p:cNvPicPr>
-            <a:picLocks noChangeAspect="1"/>
-          </p:cNvPicPr>
-          <p:nvPr/>
-        </p:nvPicPr>
-        <p:blipFill>
-          <a:blip r:embed="rId8">
-            <a:extLst>
-              <a:ext uri="{28A0092B-C50C-407E-A947-70E740481C1C}">
-                <a14:useLocalDpi xmlns:a14="http://schemas.microsoft.com/office/drawing/2010/main" val="0"/>
-              </a:ext>
-            </a:extLst>
-          </a:blip>
-          <a:stretch>
-            <a:fillRect/>
-          </a:stretch>
-        </p:blipFill>
-        <p:spPr>
-          <a:xfrm>
-            <a:off x="38168411" y="26598619"/>
-            <a:ext cx="5039531" cy="3610800"/>
           </a:xfrm>
           <a:prstGeom prst="rect">
             <a:avLst/>
@@ -5961,7 +6044,7 @@
           <p:nvPr/>
         </p:nvPicPr>
         <p:blipFill>
-          <a:blip r:embed="rId9">
+          <a:blip r:embed="rId7">
             <a:extLst>
               <a:ext uri="{28A0092B-C50C-407E-A947-70E740481C1C}">
                 <a14:useLocalDpi xmlns:a14="http://schemas.microsoft.com/office/drawing/2010/main" val="0"/>
@@ -5997,7 +6080,7 @@
           <p:nvPr/>
         </p:nvPicPr>
         <p:blipFill>
-          <a:blip r:embed="rId10">
+          <a:blip r:embed="rId8">
             <a:extLst>
               <a:ext uri="{28A0092B-C50C-407E-A947-70E740481C1C}">
                 <a14:useLocalDpi xmlns:a14="http://schemas.microsoft.com/office/drawing/2010/main" val="0"/>
@@ -6053,7 +6136,7 @@
             <p:nvPr/>
           </p:nvPicPr>
           <p:blipFill>
-            <a:blip r:embed="rId11">
+            <a:blip r:embed="rId9">
               <a:extLst>
                 <a:ext uri="{28A0092B-C50C-407E-A947-70E740481C1C}">
                   <a14:useLocalDpi xmlns:a14="http://schemas.microsoft.com/office/drawing/2010/main" val="0"/>
@@ -6342,7 +6425,7 @@
           <p:nvPr/>
         </p:nvPicPr>
         <p:blipFill>
-          <a:blip r:embed="rId12">
+          <a:blip r:embed="rId10">
             <a:extLst>
               <a:ext uri="{28A0092B-C50C-407E-A947-70E740481C1C}">
                 <a14:useLocalDpi xmlns:a14="http://schemas.microsoft.com/office/drawing/2010/main" val="0"/>
@@ -6410,7 +6493,7 @@
                 </a:solidFill>
                 <a:latin typeface="Times New Roman" panose="02020603050405020304" pitchFamily="18" charset="0"/>
                 <a:cs typeface="Times New Roman" panose="02020603050405020304" pitchFamily="18" charset="0"/>
-                <a:hlinkClick r:id="rId13">
+                <a:hlinkClick r:id="rId11">
                   <a:extLst>
                     <a:ext uri="{A12FA001-AC4F-418D-AE19-62706E023703}">
                       <ahyp:hlinkClr xmlns:ahyp="http://schemas.microsoft.com/office/drawing/2018/hyperlinkcolor" val="tx"/>
@@ -6454,7 +6537,7 @@
           <p:nvPr/>
         </p:nvPicPr>
         <p:blipFill>
-          <a:blip r:embed="rId14">
+          <a:blip r:embed="rId12">
             <a:extLst>
               <a:ext uri="{28A0092B-C50C-407E-A947-70E740481C1C}">
                 <a14:useLocalDpi xmlns:a14="http://schemas.microsoft.com/office/drawing/2010/main" val="0"/>
@@ -6490,7 +6573,7 @@
           <p:nvPr/>
         </p:nvPicPr>
         <p:blipFill>
-          <a:blip r:embed="rId15">
+          <a:blip r:embed="rId13">
             <a:extLst>
               <a:ext uri="{28A0092B-C50C-407E-A947-70E740481C1C}">
                 <a14:useLocalDpi xmlns:a14="http://schemas.microsoft.com/office/drawing/2010/main" val="0"/>
@@ -6526,6 +6609,78 @@
           <p:nvPr/>
         </p:nvPicPr>
         <p:blipFill>
+          <a:blip r:embed="rId14">
+            <a:extLst>
+              <a:ext uri="{28A0092B-C50C-407E-A947-70E740481C1C}">
+                <a14:useLocalDpi xmlns:a14="http://schemas.microsoft.com/office/drawing/2010/main" val="0"/>
+              </a:ext>
+            </a:extLst>
+          </a:blip>
+          <a:stretch>
+            <a:fillRect/>
+          </a:stretch>
+        </p:blipFill>
+        <p:spPr>
+          <a:xfrm>
+            <a:off x="35571004" y="13404533"/>
+            <a:ext cx="5279904" cy="3545443"/>
+          </a:xfrm>
+          <a:prstGeom prst="rect">
+            <a:avLst/>
+          </a:prstGeom>
+        </p:spPr>
+      </p:pic>
+      <p:pic>
+        <p:nvPicPr>
+          <p:cNvPr id="11" name="Picture 10">
+            <a:extLst>
+              <a:ext uri="{FF2B5EF4-FFF2-40B4-BE49-F238E27FC236}">
+                <a16:creationId xmlns:a16="http://schemas.microsoft.com/office/drawing/2014/main" id="{FD91BC01-E7A6-40AB-A596-E2AB88EDAD80}"/>
+              </a:ext>
+            </a:extLst>
+          </p:cNvPr>
+          <p:cNvPicPr>
+            <a:picLocks noChangeAspect="1"/>
+          </p:cNvPicPr>
+          <p:nvPr/>
+        </p:nvPicPr>
+        <p:blipFill>
+          <a:blip r:embed="rId15">
+            <a:extLst>
+              <a:ext uri="{28A0092B-C50C-407E-A947-70E740481C1C}">
+                <a14:useLocalDpi xmlns:a14="http://schemas.microsoft.com/office/drawing/2010/main" val="0"/>
+              </a:ext>
+            </a:extLst>
+          </a:blip>
+          <a:stretch>
+            <a:fillRect/>
+          </a:stretch>
+        </p:blipFill>
+        <p:spPr>
+          <a:xfrm>
+            <a:off x="35571003" y="22532738"/>
+            <a:ext cx="4999330" cy="3545444"/>
+          </a:xfrm>
+          <a:prstGeom prst="rect">
+            <a:avLst/>
+          </a:prstGeom>
+        </p:spPr>
+      </p:pic>
+      <p:pic>
+        <p:nvPicPr>
+          <p:cNvPr id="18" name="Picture 17">
+            <a:extLst>
+              <a:ext uri="{FF2B5EF4-FFF2-40B4-BE49-F238E27FC236}">
+                <a16:creationId xmlns:a16="http://schemas.microsoft.com/office/drawing/2014/main" id="{FA9BABB2-D61C-4E39-83BA-5E858D9DCC5A}"/>
+              </a:ext>
+            </a:extLst>
+          </p:cNvPr>
+          <p:cNvPicPr>
+            <a:picLocks noChangeAspect="1"/>
+          </p:cNvPicPr>
+          <p:nvPr/>
+        </p:nvPicPr>
+        <p:blipFill>
           <a:blip r:embed="rId16">
             <a:extLst>
               <a:ext uri="{28A0092B-C50C-407E-A947-70E740481C1C}">
@@ -6539,8 +6694,8 @@
         </p:blipFill>
         <p:spPr>
           <a:xfrm>
-            <a:off x="35571004" y="13404534"/>
-            <a:ext cx="4589929" cy="3082127"/>
+            <a:off x="38168412" y="25918195"/>
+            <a:ext cx="5045044" cy="3614748"/>
           </a:xfrm>
           <a:prstGeom prst="rect">
             <a:avLst/>
